--- a/BillingSystem.pptx
+++ b/BillingSystem.pptx
@@ -6,6 +6,8 @@
   </p:sldMasterIdLst>
   <p:sldIdLst>
     <p:sldId id="256" r:id="rId2"/>
+    <p:sldId id="258" r:id="rId3"/>
+    <p:sldId id="257" r:id="rId4"/>
   </p:sldIdLst>
   <p:sldSz cx="12192000" cy="6858000"/>
   <p:notesSz cx="6858000" cy="9144000"/>
@@ -104,6 +106,11 @@
       </a:defRPr>
     </a:lvl9pPr>
   </p:defaultTextStyle>
+  <p:extLst>
+    <p:ext uri="{EFAFB233-063F-42B5-8137-9DF3F51BA10A}">
+      <p15:sldGuideLst xmlns:p15="http://schemas.microsoft.com/office/powerpoint/2012/main"/>
+    </p:ext>
+  </p:extLst>
 </p:presentation>
 </file>
 
@@ -3430,6 +3437,1592 @@
 </p:sld>
 </file>
 
+<file path=ppt/slides/slide2.xml><?xml version="1.0" encoding="utf-8"?>
+<p:sld xmlns:a="http://schemas.openxmlformats.org/drawingml/2006/main" xmlns:r="http://schemas.openxmlformats.org/officeDocument/2006/relationships" xmlns:p="http://schemas.openxmlformats.org/presentationml/2006/main">
+  <p:cSld>
+    <p:spTree>
+      <p:nvGrpSpPr>
+        <p:cNvPr id="1" name=""/>
+        <p:cNvGrpSpPr/>
+        <p:nvPr/>
+      </p:nvGrpSpPr>
+      <p:grpSpPr>
+        <a:xfrm>
+          <a:off x="0" y="0"/>
+          <a:ext cx="0" cy="0"/>
+          <a:chOff x="0" y="0"/>
+          <a:chExt cx="0" cy="0"/>
+        </a:xfrm>
+      </p:grpSpPr>
+      <p:graphicFrame>
+        <p:nvGraphicFramePr>
+          <p:cNvPr id="4" name="Table 3">
+            <a:extLst>
+              <a:ext uri="{FF2B5EF4-FFF2-40B4-BE49-F238E27FC236}">
+                <a16:creationId xmlns:a16="http://schemas.microsoft.com/office/drawing/2014/main" id="{43D52E26-E88E-BE41-7A67-D4B5BDDDD66B}"/>
+              </a:ext>
+            </a:extLst>
+          </p:cNvPr>
+          <p:cNvGraphicFramePr>
+            <a:graphicFrameLocks noGrp="1"/>
+          </p:cNvGraphicFramePr>
+          <p:nvPr>
+            <p:extLst>
+              <p:ext uri="{D42A27DB-BD31-4B8C-83A1-F6EECF244321}">
+                <p14:modId xmlns:p14="http://schemas.microsoft.com/office/powerpoint/2010/main" val="3228940486"/>
+              </p:ext>
+            </p:extLst>
+          </p:nvPr>
+        </p:nvGraphicFramePr>
+        <p:xfrm>
+          <a:off x="317389" y="257915"/>
+          <a:ext cx="11410783" cy="6342169"/>
+        </p:xfrm>
+        <a:graphic>
+          <a:graphicData uri="http://schemas.openxmlformats.org/drawingml/2006/table">
+            <a:tbl>
+              <a:tblPr>
+                <a:tableStyleId>{5C22544A-7EE6-4342-B048-85BDC9FD1C3A}</a:tableStyleId>
+              </a:tblPr>
+              <a:tblGrid>
+                <a:gridCol w="2710849">
+                  <a:extLst>
+                    <a:ext uri="{9D8B030D-6E8A-4147-A177-3AD203B41FA5}">
+                      <a16:colId xmlns:a16="http://schemas.microsoft.com/office/drawing/2014/main" val="1317214852"/>
+                    </a:ext>
+                  </a:extLst>
+                </a:gridCol>
+                <a:gridCol w="3530408">
+                  <a:extLst>
+                    <a:ext uri="{9D8B030D-6E8A-4147-A177-3AD203B41FA5}">
+                      <a16:colId xmlns:a16="http://schemas.microsoft.com/office/drawing/2014/main" val="889698995"/>
+                    </a:ext>
+                  </a:extLst>
+                </a:gridCol>
+                <a:gridCol w="5169526">
+                  <a:extLst>
+                    <a:ext uri="{9D8B030D-6E8A-4147-A177-3AD203B41FA5}">
+                      <a16:colId xmlns:a16="http://schemas.microsoft.com/office/drawing/2014/main" val="3435327901"/>
+                    </a:ext>
+                  </a:extLst>
+                </a:gridCol>
+              </a:tblGrid>
+              <a:tr h="126314">
+                <a:tc>
+                  <a:txBody>
+                    <a:bodyPr/>
+                    <a:lstStyle/>
+                    <a:p>
+                      <a:pPr algn="l" fontAlgn="b"/>
+                      <a:r>
+                        <a:rPr lang="en-IN" sz="1400" b="1" u="none" strike="noStrike" dirty="0">
+                          <a:effectLst/>
+                        </a:rPr>
+                        <a:t>Billing System Ecosystem</a:t>
+                      </a:r>
+                      <a:endParaRPr lang="en-IN" sz="1400" b="1" i="0" u="none" strike="noStrike" dirty="0">
+                        <a:solidFill>
+                          <a:srgbClr val="000000"/>
+                        </a:solidFill>
+                        <a:effectLst/>
+                        <a:latin typeface="Calibri" panose="020F0502020204030204" pitchFamily="34" charset="0"/>
+                      </a:endParaRPr>
+                    </a:p>
+                  </a:txBody>
+                  <a:tcPr marL="3126" marR="3126" marT="3126" marB="0" anchor="b"/>
+                </a:tc>
+                <a:tc>
+                  <a:txBody>
+                    <a:bodyPr/>
+                    <a:lstStyle/>
+                    <a:p>
+                      <a:pPr algn="l" fontAlgn="b"/>
+                      <a:r>
+                        <a:rPr lang="en-IN" sz="500" u="none" strike="noStrike">
+                          <a:effectLst/>
+                        </a:rPr>
+                        <a:t> </a:t>
+                      </a:r>
+                      <a:endParaRPr lang="en-IN" sz="500" b="0" i="0" u="none" strike="noStrike">
+                        <a:solidFill>
+                          <a:srgbClr val="000000"/>
+                        </a:solidFill>
+                        <a:effectLst/>
+                        <a:latin typeface="Calibri" panose="020F0502020204030204" pitchFamily="34" charset="0"/>
+                      </a:endParaRPr>
+                    </a:p>
+                  </a:txBody>
+                  <a:tcPr marL="3126" marR="3126" marT="3126" marB="0" anchor="b"/>
+                </a:tc>
+                <a:tc>
+                  <a:txBody>
+                    <a:bodyPr/>
+                    <a:lstStyle/>
+                    <a:p>
+                      <a:pPr algn="l" fontAlgn="b"/>
+                      <a:r>
+                        <a:rPr lang="en-IN" sz="500" u="none" strike="noStrike">
+                          <a:effectLst/>
+                        </a:rPr>
+                        <a:t> </a:t>
+                      </a:r>
+                      <a:endParaRPr lang="en-IN" sz="500" b="0" i="0" u="none" strike="noStrike">
+                        <a:solidFill>
+                          <a:srgbClr val="000000"/>
+                        </a:solidFill>
+                        <a:effectLst/>
+                        <a:latin typeface="Calibri" panose="020F0502020204030204" pitchFamily="34" charset="0"/>
+                      </a:endParaRPr>
+                    </a:p>
+                  </a:txBody>
+                  <a:tcPr marL="3126" marR="3126" marT="3126" marB="0" anchor="b"/>
+                </a:tc>
+                <a:extLst>
+                  <a:ext uri="{0D108BD9-81ED-4DB2-BD59-A6C34878D82A}">
+                    <a16:rowId xmlns:a16="http://schemas.microsoft.com/office/drawing/2014/main" val="2051282847"/>
+                  </a:ext>
+                </a:extLst>
+              </a:tr>
+              <a:tr h="126314">
+                <a:tc>
+                  <a:txBody>
+                    <a:bodyPr/>
+                    <a:lstStyle/>
+                    <a:p>
+                      <a:pPr algn="l" fontAlgn="b"/>
+                      <a:r>
+                        <a:rPr lang="en-IN" sz="1400" b="1" u="none" strike="noStrike" dirty="0">
+                          <a:effectLst/>
+                        </a:rPr>
+                        <a:t>Subsystems</a:t>
+                      </a:r>
+                      <a:endParaRPr lang="en-IN" sz="1400" b="1" i="0" u="none" strike="noStrike" dirty="0">
+                        <a:solidFill>
+                          <a:srgbClr val="000000"/>
+                        </a:solidFill>
+                        <a:effectLst/>
+                        <a:latin typeface="Calibri" panose="020F0502020204030204" pitchFamily="34" charset="0"/>
+                      </a:endParaRPr>
+                    </a:p>
+                  </a:txBody>
+                  <a:tcPr marL="3126" marR="3126" marT="3126" marB="0" anchor="b">
+                    <a:solidFill>
+                      <a:schemeClr val="accent1">
+                        <a:tint val="20000"/>
+                        <a:alpha val="93000"/>
+                      </a:schemeClr>
+                    </a:solidFill>
+                  </a:tcPr>
+                </a:tc>
+                <a:tc>
+                  <a:txBody>
+                    <a:bodyPr/>
+                    <a:lstStyle/>
+                    <a:p>
+                      <a:pPr algn="l" fontAlgn="b"/>
+                      <a:r>
+                        <a:rPr lang="en-IN" sz="1400" b="1" u="none" strike="noStrike" dirty="0">
+                          <a:effectLst/>
+                        </a:rPr>
+                        <a:t>Technology Landscape</a:t>
+                      </a:r>
+                      <a:endParaRPr lang="en-IN" sz="1400" b="1" i="0" u="none" strike="noStrike" dirty="0">
+                        <a:solidFill>
+                          <a:srgbClr val="000000"/>
+                        </a:solidFill>
+                        <a:effectLst/>
+                        <a:latin typeface="Calibri" panose="020F0502020204030204" pitchFamily="34" charset="0"/>
+                      </a:endParaRPr>
+                    </a:p>
+                  </a:txBody>
+                  <a:tcPr marL="3126" marR="3126" marT="3126" marB="0" anchor="b">
+                    <a:solidFill>
+                      <a:schemeClr val="accent1">
+                        <a:tint val="20000"/>
+                        <a:alpha val="93000"/>
+                      </a:schemeClr>
+                    </a:solidFill>
+                  </a:tcPr>
+                </a:tc>
+                <a:tc>
+                  <a:txBody>
+                    <a:bodyPr/>
+                    <a:lstStyle/>
+                    <a:p>
+                      <a:pPr algn="l" fontAlgn="b"/>
+                      <a:r>
+                        <a:rPr lang="en-IN" sz="1400" b="1" u="none" strike="noStrike" dirty="0">
+                          <a:effectLst/>
+                        </a:rPr>
+                        <a:t>Description</a:t>
+                      </a:r>
+                      <a:endParaRPr lang="en-IN" sz="1400" b="1" i="0" u="none" strike="noStrike" dirty="0">
+                        <a:solidFill>
+                          <a:srgbClr val="000000"/>
+                        </a:solidFill>
+                        <a:effectLst/>
+                        <a:latin typeface="Calibri" panose="020F0502020204030204" pitchFamily="34" charset="0"/>
+                      </a:endParaRPr>
+                    </a:p>
+                  </a:txBody>
+                  <a:tcPr marL="3126" marR="3126" marT="3126" marB="0" anchor="b">
+                    <a:solidFill>
+                      <a:schemeClr val="accent1">
+                        <a:tint val="20000"/>
+                        <a:alpha val="93000"/>
+                      </a:schemeClr>
+                    </a:solidFill>
+                  </a:tcPr>
+                </a:tc>
+                <a:extLst>
+                  <a:ext uri="{0D108BD9-81ED-4DB2-BD59-A6C34878D82A}">
+                    <a16:rowId xmlns:a16="http://schemas.microsoft.com/office/drawing/2014/main" val="4207777346"/>
+                  </a:ext>
+                </a:extLst>
+              </a:tr>
+              <a:tr h="1515772">
+                <a:tc>
+                  <a:txBody>
+                    <a:bodyPr/>
+                    <a:lstStyle/>
+                    <a:p>
+                      <a:pPr algn="l" fontAlgn="b"/>
+                      <a:r>
+                        <a:rPr lang="en-IN" sz="1400" u="none" strike="noStrike" dirty="0">
+                          <a:effectLst/>
+                        </a:rPr>
+                        <a:t>Billing System</a:t>
+                      </a:r>
+                      <a:endParaRPr lang="en-IN" sz="1400" b="0" i="0" u="none" strike="noStrike" dirty="0">
+                        <a:solidFill>
+                          <a:srgbClr val="000000"/>
+                        </a:solidFill>
+                        <a:effectLst/>
+                        <a:latin typeface="Calibri" panose="020F0502020204030204" pitchFamily="34" charset="0"/>
+                      </a:endParaRPr>
+                    </a:p>
+                  </a:txBody>
+                  <a:tcPr marL="3126" marR="3126" marT="3126" marB="0" anchor="b"/>
+                </a:tc>
+                <a:tc>
+                  <a:txBody>
+                    <a:bodyPr/>
+                    <a:lstStyle/>
+                    <a:p>
+                      <a:pPr algn="l" fontAlgn="b"/>
+                      <a:r>
+                        <a:rPr lang="en-GB" sz="1200" u="none" strike="noStrike" dirty="0">
+                          <a:effectLst/>
+                        </a:rPr>
+                        <a:t>Java Based Microservices, REST API</a:t>
+                      </a:r>
+                      <a:endParaRPr lang="en-GB" sz="1200" b="0" i="0" u="none" strike="noStrike" dirty="0">
+                        <a:solidFill>
+                          <a:srgbClr val="000000"/>
+                        </a:solidFill>
+                        <a:effectLst/>
+                        <a:latin typeface="Calibri" panose="020F0502020204030204" pitchFamily="34" charset="0"/>
+                      </a:endParaRPr>
+                    </a:p>
+                  </a:txBody>
+                  <a:tcPr marL="3126" marR="3126" marT="3126" marB="0" anchor="b"/>
+                </a:tc>
+                <a:tc>
+                  <a:txBody>
+                    <a:bodyPr/>
+                    <a:lstStyle/>
+                    <a:p>
+                      <a:pPr algn="l" fontAlgn="b"/>
+                      <a:r>
+                        <a:rPr lang="en-GB" sz="1200" u="none" strike="noStrike" dirty="0">
+                          <a:effectLst/>
+                        </a:rPr>
+                        <a:t>Distributed microservices to provide the following functions:</a:t>
+                      </a:r>
+                      <a:br>
+                        <a:rPr lang="en-GB" sz="1200" u="none" strike="noStrike" dirty="0">
+                          <a:effectLst/>
+                        </a:rPr>
+                      </a:br>
+                      <a:r>
+                        <a:rPr lang="en-GB" sz="1200" u="none" strike="noStrike" dirty="0">
+                          <a:effectLst/>
+                        </a:rPr>
+                        <a:t>1. Register Customer</a:t>
+                      </a:r>
+                      <a:br>
+                        <a:rPr lang="en-GB" sz="1200" u="none" strike="noStrike" dirty="0">
+                          <a:effectLst/>
+                        </a:rPr>
+                      </a:br>
+                      <a:r>
+                        <a:rPr lang="en-GB" sz="1200" u="none" strike="noStrike" dirty="0">
+                          <a:effectLst/>
+                        </a:rPr>
+                        <a:t>2. Fetch Billers and Bills</a:t>
+                      </a:r>
+                      <a:br>
+                        <a:rPr lang="en-GB" sz="1200" u="none" strike="noStrike" dirty="0">
+                          <a:effectLst/>
+                        </a:rPr>
+                      </a:br>
+                      <a:r>
+                        <a:rPr lang="en-GB" sz="1200" u="none" strike="noStrike" dirty="0">
+                          <a:effectLst/>
+                        </a:rPr>
+                        <a:t>3. Create Customer Wallet</a:t>
+                      </a:r>
+                      <a:br>
+                        <a:rPr lang="en-GB" sz="1200" u="none" strike="noStrike" dirty="0">
+                          <a:effectLst/>
+                        </a:rPr>
+                      </a:br>
+                      <a:r>
+                        <a:rPr lang="en-GB" sz="1200" u="none" strike="noStrike" dirty="0">
+                          <a:effectLst/>
+                        </a:rPr>
+                        <a:t>4. Online Bill Payment</a:t>
+                      </a:r>
+                      <a:br>
+                        <a:rPr lang="en-GB" sz="1200" u="none" strike="noStrike" dirty="0">
+                          <a:effectLst/>
+                        </a:rPr>
+                      </a:br>
+                      <a:r>
+                        <a:rPr lang="en-GB" sz="1200" u="none" strike="noStrike" dirty="0">
+                          <a:effectLst/>
+                        </a:rPr>
+                        <a:t>5. Interface with Payment Gateway to pay Biller</a:t>
+                      </a:r>
+                      <a:br>
+                        <a:rPr lang="en-GB" sz="1200" u="none" strike="noStrike" dirty="0">
+                          <a:effectLst/>
+                        </a:rPr>
+                      </a:br>
+                      <a:r>
+                        <a:rPr lang="en-GB" sz="1200" u="none" strike="noStrike" dirty="0">
+                          <a:effectLst/>
+                        </a:rPr>
+                        <a:t>6. Load Customer Wallet</a:t>
+                      </a:r>
+                      <a:br>
+                        <a:rPr lang="en-GB" sz="1200" u="none" strike="noStrike" dirty="0">
+                          <a:effectLst/>
+                        </a:rPr>
+                      </a:br>
+                      <a:r>
+                        <a:rPr lang="en-GB" sz="1200" u="none" strike="noStrike" dirty="0">
+                          <a:effectLst/>
+                        </a:rPr>
+                        <a:t>7. Update Customer Wallet</a:t>
+                      </a:r>
+                      <a:br>
+                        <a:rPr lang="en-GB" sz="1200" u="none" strike="noStrike" dirty="0">
+                          <a:effectLst/>
+                        </a:rPr>
+                      </a:br>
+                      <a:r>
+                        <a:rPr lang="en-GB" sz="1200" u="none" strike="noStrike" dirty="0">
+                          <a:effectLst/>
+                        </a:rPr>
+                        <a:t>8. Process Bulk Payment (File Upload)</a:t>
+                      </a:r>
+                      <a:br>
+                        <a:rPr lang="en-GB" sz="1200" u="none" strike="noStrike" dirty="0">
+                          <a:effectLst/>
+                        </a:rPr>
+                      </a:br>
+                      <a:r>
+                        <a:rPr lang="en-GB" sz="1200" u="none" strike="noStrike" dirty="0">
+                          <a:effectLst/>
+                        </a:rPr>
+                        <a:t>9. Register standing instruction for Offline Payment</a:t>
+                      </a:r>
+                      <a:br>
+                        <a:rPr lang="en-GB" sz="1200" u="none" strike="noStrike" dirty="0">
+                          <a:effectLst/>
+                        </a:rPr>
+                      </a:br>
+                      <a:r>
+                        <a:rPr lang="en-GB" sz="1200" u="none" strike="noStrike" dirty="0">
+                          <a:effectLst/>
+                        </a:rPr>
+                        <a:t>10. Log Customer interactions</a:t>
+                      </a:r>
+                      <a:endParaRPr lang="en-GB" sz="1200" b="0" i="0" u="none" strike="noStrike" dirty="0">
+                        <a:solidFill>
+                          <a:srgbClr val="000000"/>
+                        </a:solidFill>
+                        <a:effectLst/>
+                        <a:latin typeface="Calibri" panose="020F0502020204030204" pitchFamily="34" charset="0"/>
+                      </a:endParaRPr>
+                    </a:p>
+                  </a:txBody>
+                  <a:tcPr marL="3126" marR="3126" marT="3126" marB="0" anchor="b"/>
+                </a:tc>
+                <a:extLst>
+                  <a:ext uri="{0D108BD9-81ED-4DB2-BD59-A6C34878D82A}">
+                    <a16:rowId xmlns:a16="http://schemas.microsoft.com/office/drawing/2014/main" val="1093892292"/>
+                  </a:ext>
+                </a:extLst>
+              </a:tr>
+              <a:tr h="126314">
+                <a:tc>
+                  <a:txBody>
+                    <a:bodyPr/>
+                    <a:lstStyle/>
+                    <a:p>
+                      <a:pPr algn="l" fontAlgn="b"/>
+                      <a:r>
+                        <a:rPr lang="en-IN" sz="1400" u="none" strike="noStrike">
+                          <a:effectLst/>
+                        </a:rPr>
+                        <a:t> </a:t>
+                      </a:r>
+                      <a:endParaRPr lang="en-IN" sz="1400" b="0" i="0" u="none" strike="noStrike">
+                        <a:solidFill>
+                          <a:srgbClr val="000000"/>
+                        </a:solidFill>
+                        <a:effectLst/>
+                        <a:latin typeface="Calibri" panose="020F0502020204030204" pitchFamily="34" charset="0"/>
+                      </a:endParaRPr>
+                    </a:p>
+                  </a:txBody>
+                  <a:tcPr marL="3126" marR="3126" marT="3126" marB="0" anchor="b"/>
+                </a:tc>
+                <a:tc>
+                  <a:txBody>
+                    <a:bodyPr/>
+                    <a:lstStyle/>
+                    <a:p>
+                      <a:pPr algn="l" fontAlgn="b"/>
+                      <a:r>
+                        <a:rPr lang="en-IN" sz="1200" u="none" strike="noStrike">
+                          <a:effectLst/>
+                        </a:rPr>
+                        <a:t>Springboot with Hibernate</a:t>
+                      </a:r>
+                      <a:endParaRPr lang="en-IN" sz="1200" b="0" i="0" u="none" strike="noStrike">
+                        <a:solidFill>
+                          <a:srgbClr val="000000"/>
+                        </a:solidFill>
+                        <a:effectLst/>
+                        <a:latin typeface="Calibri" panose="020F0502020204030204" pitchFamily="34" charset="0"/>
+                      </a:endParaRPr>
+                    </a:p>
+                  </a:txBody>
+                  <a:tcPr marL="3126" marR="3126" marT="3126" marB="0" anchor="b"/>
+                </a:tc>
+                <a:tc>
+                  <a:txBody>
+                    <a:bodyPr/>
+                    <a:lstStyle/>
+                    <a:p>
+                      <a:pPr algn="l" fontAlgn="b"/>
+                      <a:r>
+                        <a:rPr lang="en-IN" sz="1200" u="none" strike="noStrike" dirty="0">
+                          <a:effectLst/>
+                        </a:rPr>
+                        <a:t> </a:t>
+                      </a:r>
+                      <a:endParaRPr lang="en-IN" sz="1200" b="0" i="0" u="none" strike="noStrike" dirty="0">
+                        <a:solidFill>
+                          <a:srgbClr val="000000"/>
+                        </a:solidFill>
+                        <a:effectLst/>
+                        <a:latin typeface="Calibri" panose="020F0502020204030204" pitchFamily="34" charset="0"/>
+                      </a:endParaRPr>
+                    </a:p>
+                  </a:txBody>
+                  <a:tcPr marL="3126" marR="3126" marT="3126" marB="0" anchor="b"/>
+                </a:tc>
+                <a:extLst>
+                  <a:ext uri="{0D108BD9-81ED-4DB2-BD59-A6C34878D82A}">
+                    <a16:rowId xmlns:a16="http://schemas.microsoft.com/office/drawing/2014/main" val="3017708468"/>
+                  </a:ext>
+                </a:extLst>
+              </a:tr>
+              <a:tr h="126314">
+                <a:tc>
+                  <a:txBody>
+                    <a:bodyPr/>
+                    <a:lstStyle/>
+                    <a:p>
+                      <a:pPr algn="l" fontAlgn="b"/>
+                      <a:r>
+                        <a:rPr lang="en-IN" sz="1400" u="none" strike="noStrike">
+                          <a:effectLst/>
+                        </a:rPr>
+                        <a:t> </a:t>
+                      </a:r>
+                      <a:endParaRPr lang="en-IN" sz="1400" b="0" i="0" u="none" strike="noStrike">
+                        <a:solidFill>
+                          <a:srgbClr val="000000"/>
+                        </a:solidFill>
+                        <a:effectLst/>
+                        <a:latin typeface="Calibri" panose="020F0502020204030204" pitchFamily="34" charset="0"/>
+                      </a:endParaRPr>
+                    </a:p>
+                  </a:txBody>
+                  <a:tcPr marL="3126" marR="3126" marT="3126" marB="0" anchor="b"/>
+                </a:tc>
+                <a:tc>
+                  <a:txBody>
+                    <a:bodyPr/>
+                    <a:lstStyle/>
+                    <a:p>
+                      <a:pPr algn="l" fontAlgn="b"/>
+                      <a:r>
+                        <a:rPr lang="en-IN" sz="1200" u="none" strike="noStrike">
+                          <a:effectLst/>
+                        </a:rPr>
+                        <a:t>Openshift Containerized</a:t>
+                      </a:r>
+                      <a:endParaRPr lang="en-IN" sz="1200" b="0" i="0" u="none" strike="noStrike">
+                        <a:solidFill>
+                          <a:srgbClr val="000000"/>
+                        </a:solidFill>
+                        <a:effectLst/>
+                        <a:latin typeface="Calibri" panose="020F0502020204030204" pitchFamily="34" charset="0"/>
+                      </a:endParaRPr>
+                    </a:p>
+                  </a:txBody>
+                  <a:tcPr marL="3126" marR="3126" marT="3126" marB="0" anchor="b"/>
+                </a:tc>
+                <a:tc>
+                  <a:txBody>
+                    <a:bodyPr/>
+                    <a:lstStyle/>
+                    <a:p>
+                      <a:pPr algn="l" fontAlgn="b"/>
+                      <a:r>
+                        <a:rPr lang="en-IN" sz="1200" u="none" strike="noStrike" dirty="0">
+                          <a:effectLst/>
+                        </a:rPr>
+                        <a:t> </a:t>
+                      </a:r>
+                      <a:endParaRPr lang="en-IN" sz="1200" b="0" i="0" u="none" strike="noStrike" dirty="0">
+                        <a:solidFill>
+                          <a:srgbClr val="000000"/>
+                        </a:solidFill>
+                        <a:effectLst/>
+                        <a:latin typeface="Calibri" panose="020F0502020204030204" pitchFamily="34" charset="0"/>
+                      </a:endParaRPr>
+                    </a:p>
+                  </a:txBody>
+                  <a:tcPr marL="3126" marR="3126" marT="3126" marB="0" anchor="b"/>
+                </a:tc>
+                <a:extLst>
+                  <a:ext uri="{0D108BD9-81ED-4DB2-BD59-A6C34878D82A}">
+                    <a16:rowId xmlns:a16="http://schemas.microsoft.com/office/drawing/2014/main" val="4096243375"/>
+                  </a:ext>
+                </a:extLst>
+              </a:tr>
+              <a:tr h="252630">
+                <a:tc>
+                  <a:txBody>
+                    <a:bodyPr/>
+                    <a:lstStyle/>
+                    <a:p>
+                      <a:pPr algn="l" fontAlgn="b"/>
+                      <a:r>
+                        <a:rPr lang="en-IN" sz="1400" u="none" strike="noStrike">
+                          <a:effectLst/>
+                        </a:rPr>
+                        <a:t>Customer Facing WebApp</a:t>
+                      </a:r>
+                      <a:endParaRPr lang="en-IN" sz="1400" b="0" i="0" u="none" strike="noStrike">
+                        <a:solidFill>
+                          <a:srgbClr val="000000"/>
+                        </a:solidFill>
+                        <a:effectLst/>
+                        <a:latin typeface="Calibri" panose="020F0502020204030204" pitchFamily="34" charset="0"/>
+                      </a:endParaRPr>
+                    </a:p>
+                  </a:txBody>
+                  <a:tcPr marL="3126" marR="3126" marT="3126" marB="0" anchor="b"/>
+                </a:tc>
+                <a:tc>
+                  <a:txBody>
+                    <a:bodyPr/>
+                    <a:lstStyle/>
+                    <a:p>
+                      <a:pPr algn="l" fontAlgn="b"/>
+                      <a:r>
+                        <a:rPr lang="en-IN" sz="1200" u="none" strike="noStrike">
+                          <a:effectLst/>
+                        </a:rPr>
+                        <a:t>ReactJS</a:t>
+                      </a:r>
+                      <a:endParaRPr lang="en-IN" sz="1200" b="0" i="0" u="none" strike="noStrike">
+                        <a:solidFill>
+                          <a:srgbClr val="000000"/>
+                        </a:solidFill>
+                        <a:effectLst/>
+                        <a:latin typeface="Calibri" panose="020F0502020204030204" pitchFamily="34" charset="0"/>
+                      </a:endParaRPr>
+                    </a:p>
+                  </a:txBody>
+                  <a:tcPr marL="3126" marR="3126" marT="3126" marB="0" anchor="b"/>
+                </a:tc>
+                <a:tc>
+                  <a:txBody>
+                    <a:bodyPr/>
+                    <a:lstStyle/>
+                    <a:p>
+                      <a:pPr algn="l" fontAlgn="b"/>
+                      <a:r>
+                        <a:rPr lang="en-GB" sz="1200" u="none" strike="noStrike" dirty="0">
+                          <a:effectLst/>
+                        </a:rPr>
+                        <a:t>ReactJS based UI interfacing with Customers for performing all the operations</a:t>
+                      </a:r>
+                      <a:endParaRPr lang="en-GB" sz="1200" b="0" i="0" u="none" strike="noStrike" dirty="0">
+                        <a:solidFill>
+                          <a:srgbClr val="000000"/>
+                        </a:solidFill>
+                        <a:effectLst/>
+                        <a:latin typeface="Calibri" panose="020F0502020204030204" pitchFamily="34" charset="0"/>
+                      </a:endParaRPr>
+                    </a:p>
+                  </a:txBody>
+                  <a:tcPr marL="3126" marR="3126" marT="3126" marB="0" anchor="b"/>
+                </a:tc>
+                <a:extLst>
+                  <a:ext uri="{0D108BD9-81ED-4DB2-BD59-A6C34878D82A}">
+                    <a16:rowId xmlns:a16="http://schemas.microsoft.com/office/drawing/2014/main" val="1810657696"/>
+                  </a:ext>
+                </a:extLst>
+              </a:tr>
+              <a:tr h="631571">
+                <a:tc>
+                  <a:txBody>
+                    <a:bodyPr/>
+                    <a:lstStyle/>
+                    <a:p>
+                      <a:pPr algn="l" fontAlgn="b"/>
+                      <a:r>
+                        <a:rPr lang="en-IN" sz="1400" u="none" strike="noStrike">
+                          <a:effectLst/>
+                        </a:rPr>
+                        <a:t>Customer Repo</a:t>
+                      </a:r>
+                      <a:endParaRPr lang="en-IN" sz="1400" b="0" i="0" u="none" strike="noStrike">
+                        <a:solidFill>
+                          <a:srgbClr val="000000"/>
+                        </a:solidFill>
+                        <a:effectLst/>
+                        <a:latin typeface="Calibri" panose="020F0502020204030204" pitchFamily="34" charset="0"/>
+                      </a:endParaRPr>
+                    </a:p>
+                  </a:txBody>
+                  <a:tcPr marL="3126" marR="3126" marT="3126" marB="0" anchor="b"/>
+                </a:tc>
+                <a:tc>
+                  <a:txBody>
+                    <a:bodyPr/>
+                    <a:lstStyle/>
+                    <a:p>
+                      <a:pPr algn="l" fontAlgn="b"/>
+                      <a:r>
+                        <a:rPr lang="en-IN" sz="1200" u="none" strike="noStrike">
+                          <a:effectLst/>
+                        </a:rPr>
+                        <a:t>RDBMS (MySQL)</a:t>
+                      </a:r>
+                      <a:endParaRPr lang="en-IN" sz="1200" b="0" i="0" u="none" strike="noStrike">
+                        <a:solidFill>
+                          <a:srgbClr val="000000"/>
+                        </a:solidFill>
+                        <a:effectLst/>
+                        <a:latin typeface="Calibri" panose="020F0502020204030204" pitchFamily="34" charset="0"/>
+                      </a:endParaRPr>
+                    </a:p>
+                  </a:txBody>
+                  <a:tcPr marL="3126" marR="3126" marT="3126" marB="0" anchor="b"/>
+                </a:tc>
+                <a:tc>
+                  <a:txBody>
+                    <a:bodyPr/>
+                    <a:lstStyle/>
+                    <a:p>
+                      <a:pPr algn="l" fontAlgn="b"/>
+                      <a:r>
+                        <a:rPr lang="en-GB" sz="1200" u="none" strike="noStrike" dirty="0">
+                          <a:effectLst/>
+                        </a:rPr>
+                        <a:t>Stores the following entities:</a:t>
+                      </a:r>
+                      <a:br>
+                        <a:rPr lang="en-GB" sz="1200" u="none" strike="noStrike" dirty="0">
+                          <a:effectLst/>
+                        </a:rPr>
+                      </a:br>
+                      <a:r>
+                        <a:rPr lang="en-GB" sz="1200" u="none" strike="noStrike" dirty="0">
+                          <a:effectLst/>
+                        </a:rPr>
+                        <a:t>1. Customer</a:t>
+                      </a:r>
+                      <a:br>
+                        <a:rPr lang="en-GB" sz="1200" u="none" strike="noStrike" dirty="0">
+                          <a:effectLst/>
+                        </a:rPr>
+                      </a:br>
+                      <a:r>
+                        <a:rPr lang="en-GB" sz="1200" u="none" strike="noStrike" dirty="0">
+                          <a:effectLst/>
+                        </a:rPr>
+                        <a:t>2. Customer Wallet</a:t>
+                      </a:r>
+                      <a:br>
+                        <a:rPr lang="en-GB" sz="1200" u="none" strike="noStrike" dirty="0">
+                          <a:effectLst/>
+                        </a:rPr>
+                      </a:br>
+                      <a:r>
+                        <a:rPr lang="en-GB" sz="1200" u="none" strike="noStrike" dirty="0">
+                          <a:effectLst/>
+                        </a:rPr>
+                        <a:t>3. Customer Transactions</a:t>
+                      </a:r>
+                      <a:br>
+                        <a:rPr lang="en-GB" sz="1200" u="none" strike="noStrike" dirty="0">
+                          <a:effectLst/>
+                        </a:rPr>
+                      </a:br>
+                      <a:r>
+                        <a:rPr lang="en-GB" sz="1200" u="none" strike="noStrike" dirty="0">
+                          <a:effectLst/>
+                        </a:rPr>
+                        <a:t>4. Customer Standing Instructions</a:t>
+                      </a:r>
+                      <a:endParaRPr lang="en-GB" sz="1200" b="0" i="0" u="none" strike="noStrike" dirty="0">
+                        <a:solidFill>
+                          <a:srgbClr val="000000"/>
+                        </a:solidFill>
+                        <a:effectLst/>
+                        <a:latin typeface="Calibri" panose="020F0502020204030204" pitchFamily="34" charset="0"/>
+                      </a:endParaRPr>
+                    </a:p>
+                  </a:txBody>
+                  <a:tcPr marL="3126" marR="3126" marT="3126" marB="0" anchor="b"/>
+                </a:tc>
+                <a:extLst>
+                  <a:ext uri="{0D108BD9-81ED-4DB2-BD59-A6C34878D82A}">
+                    <a16:rowId xmlns:a16="http://schemas.microsoft.com/office/drawing/2014/main" val="3574053047"/>
+                  </a:ext>
+                </a:extLst>
+              </a:tr>
+              <a:tr h="757885">
+                <a:tc>
+                  <a:txBody>
+                    <a:bodyPr/>
+                    <a:lstStyle/>
+                    <a:p>
+                      <a:pPr algn="l" fontAlgn="b"/>
+                      <a:r>
+                        <a:rPr lang="en-IN" sz="1400" u="none" strike="noStrike">
+                          <a:effectLst/>
+                        </a:rPr>
+                        <a:t>Batch Processor</a:t>
+                      </a:r>
+                      <a:endParaRPr lang="en-IN" sz="1400" b="0" i="0" u="none" strike="noStrike">
+                        <a:solidFill>
+                          <a:srgbClr val="000000"/>
+                        </a:solidFill>
+                        <a:effectLst/>
+                        <a:latin typeface="Calibri" panose="020F0502020204030204" pitchFamily="34" charset="0"/>
+                      </a:endParaRPr>
+                    </a:p>
+                  </a:txBody>
+                  <a:tcPr marL="3126" marR="3126" marT="3126" marB="0" anchor="b"/>
+                </a:tc>
+                <a:tc>
+                  <a:txBody>
+                    <a:bodyPr/>
+                    <a:lstStyle/>
+                    <a:p>
+                      <a:pPr algn="l" fontAlgn="b"/>
+                      <a:r>
+                        <a:rPr lang="en-GB" sz="1200" u="none" strike="noStrike">
+                          <a:effectLst/>
+                        </a:rPr>
+                        <a:t>Java Based Microservices, REST API</a:t>
+                      </a:r>
+                      <a:endParaRPr lang="en-GB" sz="1200" b="0" i="0" u="none" strike="noStrike">
+                        <a:solidFill>
+                          <a:srgbClr val="000000"/>
+                        </a:solidFill>
+                        <a:effectLst/>
+                        <a:latin typeface="Calibri" panose="020F0502020204030204" pitchFamily="34" charset="0"/>
+                      </a:endParaRPr>
+                    </a:p>
+                  </a:txBody>
+                  <a:tcPr marL="3126" marR="3126" marT="3126" marB="0" anchor="b"/>
+                </a:tc>
+                <a:tc>
+                  <a:txBody>
+                    <a:bodyPr/>
+                    <a:lstStyle/>
+                    <a:p>
+                      <a:pPr algn="l" fontAlgn="b"/>
+                      <a:r>
+                        <a:rPr lang="en-GB" sz="1200" u="none" strike="noStrike" dirty="0">
+                          <a:effectLst/>
+                        </a:rPr>
+                        <a:t>Distributed microservices to provide the following functions:</a:t>
+                      </a:r>
+                      <a:br>
+                        <a:rPr lang="en-GB" sz="1200" u="none" strike="noStrike" dirty="0">
+                          <a:effectLst/>
+                        </a:rPr>
+                      </a:br>
+                      <a:r>
+                        <a:rPr lang="en-GB" sz="1200" u="none" strike="noStrike" dirty="0">
+                          <a:effectLst/>
+                        </a:rPr>
+                        <a:t>1. Offline Bill Payment - based on queue, asynchronous.</a:t>
+                      </a:r>
+                      <a:br>
+                        <a:rPr lang="en-GB" sz="1200" u="none" strike="noStrike" dirty="0">
+                          <a:effectLst/>
+                        </a:rPr>
+                      </a:br>
+                      <a:r>
+                        <a:rPr lang="en-GB" sz="1200" u="none" strike="noStrike" dirty="0">
+                          <a:effectLst/>
+                        </a:rPr>
+                        <a:t>2. Update Customer Wallet</a:t>
+                      </a:r>
+                      <a:br>
+                        <a:rPr lang="en-GB" sz="1200" u="none" strike="noStrike" dirty="0">
+                          <a:effectLst/>
+                        </a:rPr>
+                      </a:br>
+                      <a:endParaRPr lang="en-GB" sz="1200" b="0" i="0" u="none" strike="noStrike" dirty="0">
+                        <a:solidFill>
+                          <a:srgbClr val="000000"/>
+                        </a:solidFill>
+                        <a:effectLst/>
+                        <a:latin typeface="Calibri" panose="020F0502020204030204" pitchFamily="34" charset="0"/>
+                      </a:endParaRPr>
+                    </a:p>
+                  </a:txBody>
+                  <a:tcPr marL="3126" marR="3126" marT="3126" marB="0" anchor="b"/>
+                </a:tc>
+                <a:extLst>
+                  <a:ext uri="{0D108BD9-81ED-4DB2-BD59-A6C34878D82A}">
+                    <a16:rowId xmlns:a16="http://schemas.microsoft.com/office/drawing/2014/main" val="1625058318"/>
+                  </a:ext>
+                </a:extLst>
+              </a:tr>
+              <a:tr h="126314">
+                <a:tc>
+                  <a:txBody>
+                    <a:bodyPr/>
+                    <a:lstStyle/>
+                    <a:p>
+                      <a:pPr algn="l" fontAlgn="b"/>
+                      <a:r>
+                        <a:rPr lang="en-IN" sz="1400" u="none" strike="noStrike">
+                          <a:effectLst/>
+                        </a:rPr>
+                        <a:t> </a:t>
+                      </a:r>
+                      <a:endParaRPr lang="en-IN" sz="1400" b="0" i="0" u="none" strike="noStrike">
+                        <a:solidFill>
+                          <a:srgbClr val="000000"/>
+                        </a:solidFill>
+                        <a:effectLst/>
+                        <a:latin typeface="Calibri" panose="020F0502020204030204" pitchFamily="34" charset="0"/>
+                      </a:endParaRPr>
+                    </a:p>
+                  </a:txBody>
+                  <a:tcPr marL="3126" marR="3126" marT="3126" marB="0" anchor="b"/>
+                </a:tc>
+                <a:tc>
+                  <a:txBody>
+                    <a:bodyPr/>
+                    <a:lstStyle/>
+                    <a:p>
+                      <a:pPr algn="l" fontAlgn="b"/>
+                      <a:r>
+                        <a:rPr lang="en-IN" sz="1200" u="none" strike="noStrike">
+                          <a:effectLst/>
+                        </a:rPr>
+                        <a:t>RabbitMQ</a:t>
+                      </a:r>
+                      <a:endParaRPr lang="en-IN" sz="1200" b="0" i="0" u="none" strike="noStrike">
+                        <a:solidFill>
+                          <a:srgbClr val="000000"/>
+                        </a:solidFill>
+                        <a:effectLst/>
+                        <a:latin typeface="Calibri" panose="020F0502020204030204" pitchFamily="34" charset="0"/>
+                      </a:endParaRPr>
+                    </a:p>
+                  </a:txBody>
+                  <a:tcPr marL="3126" marR="3126" marT="3126" marB="0" anchor="b"/>
+                </a:tc>
+                <a:tc>
+                  <a:txBody>
+                    <a:bodyPr/>
+                    <a:lstStyle/>
+                    <a:p>
+                      <a:pPr algn="l" fontAlgn="b"/>
+                      <a:r>
+                        <a:rPr lang="en-IN" sz="1200" u="none" strike="noStrike" dirty="0">
+                          <a:effectLst/>
+                        </a:rPr>
+                        <a:t> </a:t>
+                      </a:r>
+                      <a:endParaRPr lang="en-IN" sz="1200" b="0" i="0" u="none" strike="noStrike" dirty="0">
+                        <a:solidFill>
+                          <a:srgbClr val="000000"/>
+                        </a:solidFill>
+                        <a:effectLst/>
+                        <a:latin typeface="Calibri" panose="020F0502020204030204" pitchFamily="34" charset="0"/>
+                      </a:endParaRPr>
+                    </a:p>
+                  </a:txBody>
+                  <a:tcPr marL="3126" marR="3126" marT="3126" marB="0" anchor="b"/>
+                </a:tc>
+                <a:extLst>
+                  <a:ext uri="{0D108BD9-81ED-4DB2-BD59-A6C34878D82A}">
+                    <a16:rowId xmlns:a16="http://schemas.microsoft.com/office/drawing/2014/main" val="1986363540"/>
+                  </a:ext>
+                </a:extLst>
+              </a:tr>
+              <a:tr h="126314">
+                <a:tc>
+                  <a:txBody>
+                    <a:bodyPr/>
+                    <a:lstStyle/>
+                    <a:p>
+                      <a:pPr algn="l" fontAlgn="b"/>
+                      <a:r>
+                        <a:rPr lang="en-IN" sz="1400" u="none" strike="noStrike">
+                          <a:effectLst/>
+                        </a:rPr>
+                        <a:t> </a:t>
+                      </a:r>
+                      <a:endParaRPr lang="en-IN" sz="1400" b="0" i="0" u="none" strike="noStrike">
+                        <a:solidFill>
+                          <a:srgbClr val="000000"/>
+                        </a:solidFill>
+                        <a:effectLst/>
+                        <a:latin typeface="Calibri" panose="020F0502020204030204" pitchFamily="34" charset="0"/>
+                      </a:endParaRPr>
+                    </a:p>
+                  </a:txBody>
+                  <a:tcPr marL="3126" marR="3126" marT="3126" marB="0" anchor="b"/>
+                </a:tc>
+                <a:tc>
+                  <a:txBody>
+                    <a:bodyPr/>
+                    <a:lstStyle/>
+                    <a:p>
+                      <a:pPr algn="l" fontAlgn="b"/>
+                      <a:r>
+                        <a:rPr lang="en-IN" sz="1200" u="none" strike="noStrike">
+                          <a:effectLst/>
+                        </a:rPr>
+                        <a:t>Openshift Containerized</a:t>
+                      </a:r>
+                      <a:endParaRPr lang="en-IN" sz="1200" b="0" i="0" u="none" strike="noStrike">
+                        <a:solidFill>
+                          <a:srgbClr val="000000"/>
+                        </a:solidFill>
+                        <a:effectLst/>
+                        <a:latin typeface="Calibri" panose="020F0502020204030204" pitchFamily="34" charset="0"/>
+                      </a:endParaRPr>
+                    </a:p>
+                  </a:txBody>
+                  <a:tcPr marL="3126" marR="3126" marT="3126" marB="0" anchor="b"/>
+                </a:tc>
+                <a:tc>
+                  <a:txBody>
+                    <a:bodyPr/>
+                    <a:lstStyle/>
+                    <a:p>
+                      <a:pPr algn="l" fontAlgn="b"/>
+                      <a:r>
+                        <a:rPr lang="en-IN" sz="1200" u="none" strike="noStrike" dirty="0">
+                          <a:effectLst/>
+                        </a:rPr>
+                        <a:t> </a:t>
+                      </a:r>
+                      <a:endParaRPr lang="en-IN" sz="1200" b="0" i="0" u="none" strike="noStrike" dirty="0">
+                        <a:solidFill>
+                          <a:srgbClr val="000000"/>
+                        </a:solidFill>
+                        <a:effectLst/>
+                        <a:latin typeface="Calibri" panose="020F0502020204030204" pitchFamily="34" charset="0"/>
+                      </a:endParaRPr>
+                    </a:p>
+                  </a:txBody>
+                  <a:tcPr marL="3126" marR="3126" marT="3126" marB="0" anchor="b"/>
+                </a:tc>
+                <a:extLst>
+                  <a:ext uri="{0D108BD9-81ED-4DB2-BD59-A6C34878D82A}">
+                    <a16:rowId xmlns:a16="http://schemas.microsoft.com/office/drawing/2014/main" val="1126729879"/>
+                  </a:ext>
+                </a:extLst>
+              </a:tr>
+              <a:tr h="884201">
+                <a:tc>
+                  <a:txBody>
+                    <a:bodyPr/>
+                    <a:lstStyle/>
+                    <a:p>
+                      <a:pPr algn="l" fontAlgn="b"/>
+                      <a:r>
+                        <a:rPr lang="en-IN" sz="1400" u="none" strike="noStrike" dirty="0">
+                          <a:effectLst/>
+                        </a:rPr>
+                        <a:t>Accounting</a:t>
+                      </a:r>
+                      <a:endParaRPr lang="en-IN" sz="1400" b="0" i="0" u="none" strike="noStrike" dirty="0">
+                        <a:solidFill>
+                          <a:srgbClr val="000000"/>
+                        </a:solidFill>
+                        <a:effectLst/>
+                        <a:latin typeface="Calibri" panose="020F0502020204030204" pitchFamily="34" charset="0"/>
+                      </a:endParaRPr>
+                    </a:p>
+                  </a:txBody>
+                  <a:tcPr marL="3126" marR="3126" marT="3126" marB="0" anchor="b"/>
+                </a:tc>
+                <a:tc>
+                  <a:txBody>
+                    <a:bodyPr/>
+                    <a:lstStyle/>
+                    <a:p>
+                      <a:pPr algn="l" fontAlgn="b"/>
+                      <a:r>
+                        <a:rPr lang="en-GB" sz="1200" u="none" strike="noStrike">
+                          <a:effectLst/>
+                        </a:rPr>
+                        <a:t>Java Based Microservices, REST API</a:t>
+                      </a:r>
+                      <a:endParaRPr lang="en-GB" sz="1200" b="0" i="0" u="none" strike="noStrike">
+                        <a:solidFill>
+                          <a:srgbClr val="000000"/>
+                        </a:solidFill>
+                        <a:effectLst/>
+                        <a:latin typeface="Calibri" panose="020F0502020204030204" pitchFamily="34" charset="0"/>
+                      </a:endParaRPr>
+                    </a:p>
+                  </a:txBody>
+                  <a:tcPr marL="3126" marR="3126" marT="3126" marB="0" anchor="b"/>
+                </a:tc>
+                <a:tc>
+                  <a:txBody>
+                    <a:bodyPr/>
+                    <a:lstStyle/>
+                    <a:p>
+                      <a:pPr algn="l" fontAlgn="b"/>
+                      <a:r>
+                        <a:rPr lang="en-GB" sz="1200" u="none" strike="noStrike" dirty="0">
+                          <a:effectLst/>
+                        </a:rPr>
+                        <a:t>Distributed microservices to provide the following functions:</a:t>
+                      </a:r>
+                      <a:br>
+                        <a:rPr lang="en-GB" sz="1200" u="none" strike="noStrike" dirty="0">
+                          <a:effectLst/>
+                        </a:rPr>
+                      </a:br>
+                      <a:r>
+                        <a:rPr lang="en-GB" sz="1200" u="none" strike="noStrike" dirty="0">
+                          <a:effectLst/>
+                        </a:rPr>
+                        <a:t>1. Manage transaction Logs</a:t>
+                      </a:r>
+                      <a:br>
+                        <a:rPr lang="en-GB" sz="1200" u="none" strike="noStrike" dirty="0">
+                          <a:effectLst/>
+                        </a:rPr>
+                      </a:br>
+                      <a:r>
+                        <a:rPr lang="en-GB" sz="1200" u="none" strike="noStrike" dirty="0">
+                          <a:effectLst/>
+                        </a:rPr>
+                        <a:t>2. Update Customer Wallet</a:t>
+                      </a:r>
+                      <a:br>
+                        <a:rPr lang="en-GB" sz="1200" u="none" strike="noStrike" dirty="0">
+                          <a:effectLst/>
+                        </a:rPr>
+                      </a:br>
+                      <a:r>
+                        <a:rPr lang="en-GB" sz="1200" u="none" strike="noStrike" dirty="0">
+                          <a:effectLst/>
+                        </a:rPr>
+                        <a:t>3. Reporting</a:t>
+                      </a:r>
+                      <a:br>
+                        <a:rPr lang="en-GB" sz="1200" u="none" strike="noStrike" dirty="0">
+                          <a:effectLst/>
+                        </a:rPr>
+                      </a:br>
+                      <a:r>
+                        <a:rPr lang="en-GB" sz="1200" u="none" strike="noStrike" dirty="0">
+                          <a:effectLst/>
+                        </a:rPr>
+                        <a:t>4. Generate Alert for insufficient balance</a:t>
+                      </a:r>
+                      <a:br>
+                        <a:rPr lang="en-GB" sz="1200" u="none" strike="noStrike" dirty="0">
+                          <a:effectLst/>
+                        </a:rPr>
+                      </a:br>
+                      <a:endParaRPr lang="en-GB" sz="1200" b="0" i="0" u="none" strike="noStrike" dirty="0">
+                        <a:solidFill>
+                          <a:srgbClr val="000000"/>
+                        </a:solidFill>
+                        <a:effectLst/>
+                        <a:latin typeface="Calibri" panose="020F0502020204030204" pitchFamily="34" charset="0"/>
+                      </a:endParaRPr>
+                    </a:p>
+                  </a:txBody>
+                  <a:tcPr marL="3126" marR="3126" marT="3126" marB="0" anchor="b"/>
+                </a:tc>
+                <a:extLst>
+                  <a:ext uri="{0D108BD9-81ED-4DB2-BD59-A6C34878D82A}">
+                    <a16:rowId xmlns:a16="http://schemas.microsoft.com/office/drawing/2014/main" val="1298298510"/>
+                  </a:ext>
+                </a:extLst>
+              </a:tr>
+            </a:tbl>
+          </a:graphicData>
+        </a:graphic>
+      </p:graphicFrame>
+    </p:spTree>
+    <p:extLst>
+      <p:ext uri="{BB962C8B-B14F-4D97-AF65-F5344CB8AC3E}">
+        <p14:creationId xmlns:p14="http://schemas.microsoft.com/office/powerpoint/2010/main" val="743736512"/>
+      </p:ext>
+    </p:extLst>
+  </p:cSld>
+  <p:clrMapOvr>
+    <a:masterClrMapping/>
+  </p:clrMapOvr>
+</p:sld>
+</file>
+
+<file path=ppt/slides/slide3.xml><?xml version="1.0" encoding="utf-8"?>
+<p:sld xmlns:a="http://schemas.openxmlformats.org/drawingml/2006/main" xmlns:r="http://schemas.openxmlformats.org/officeDocument/2006/relationships" xmlns:p="http://schemas.openxmlformats.org/presentationml/2006/main">
+  <p:cSld>
+    <p:spTree>
+      <p:nvGrpSpPr>
+        <p:cNvPr id="1" name=""/>
+        <p:cNvGrpSpPr/>
+        <p:nvPr/>
+      </p:nvGrpSpPr>
+      <p:grpSpPr>
+        <a:xfrm>
+          <a:off x="0" y="0"/>
+          <a:ext cx="0" cy="0"/>
+          <a:chOff x="0" y="0"/>
+          <a:chExt cx="0" cy="0"/>
+        </a:xfrm>
+      </p:grpSpPr>
+      <p:graphicFrame>
+        <p:nvGraphicFramePr>
+          <p:cNvPr id="4" name="Table 3">
+            <a:extLst>
+              <a:ext uri="{FF2B5EF4-FFF2-40B4-BE49-F238E27FC236}">
+                <a16:creationId xmlns:a16="http://schemas.microsoft.com/office/drawing/2014/main" id="{43D52E26-E88E-BE41-7A67-D4B5BDDDD66B}"/>
+              </a:ext>
+            </a:extLst>
+          </p:cNvPr>
+          <p:cNvGraphicFramePr>
+            <a:graphicFrameLocks noGrp="1"/>
+          </p:cNvGraphicFramePr>
+          <p:nvPr>
+            <p:extLst>
+              <p:ext uri="{D42A27DB-BD31-4B8C-83A1-F6EECF244321}">
+                <p14:modId xmlns:p14="http://schemas.microsoft.com/office/powerpoint/2010/main" val="2787044252"/>
+              </p:ext>
+            </p:extLst>
+          </p:nvPr>
+        </p:nvGraphicFramePr>
+        <p:xfrm>
+          <a:off x="426720" y="447040"/>
+          <a:ext cx="11410783" cy="1443487"/>
+        </p:xfrm>
+        <a:graphic>
+          <a:graphicData uri="http://schemas.openxmlformats.org/drawingml/2006/table">
+            <a:tbl>
+              <a:tblPr>
+                <a:tableStyleId>{5C22544A-7EE6-4342-B048-85BDC9FD1C3A}</a:tableStyleId>
+              </a:tblPr>
+              <a:tblGrid>
+                <a:gridCol w="2710849">
+                  <a:extLst>
+                    <a:ext uri="{9D8B030D-6E8A-4147-A177-3AD203B41FA5}">
+                      <a16:colId xmlns:a16="http://schemas.microsoft.com/office/drawing/2014/main" val="1317214852"/>
+                    </a:ext>
+                  </a:extLst>
+                </a:gridCol>
+                <a:gridCol w="3530408">
+                  <a:extLst>
+                    <a:ext uri="{9D8B030D-6E8A-4147-A177-3AD203B41FA5}">
+                      <a16:colId xmlns:a16="http://schemas.microsoft.com/office/drawing/2014/main" val="889698995"/>
+                    </a:ext>
+                  </a:extLst>
+                </a:gridCol>
+                <a:gridCol w="5169526">
+                  <a:extLst>
+                    <a:ext uri="{9D8B030D-6E8A-4147-A177-3AD203B41FA5}">
+                      <a16:colId xmlns:a16="http://schemas.microsoft.com/office/drawing/2014/main" val="3435327901"/>
+                    </a:ext>
+                  </a:extLst>
+                </a:gridCol>
+              </a:tblGrid>
+              <a:tr h="126314">
+                <a:tc>
+                  <a:txBody>
+                    <a:bodyPr/>
+                    <a:lstStyle/>
+                    <a:p>
+                      <a:pPr algn="l" fontAlgn="b"/>
+                      <a:r>
+                        <a:rPr lang="en-IN" sz="1400" b="1" u="none" strike="noStrike" dirty="0">
+                          <a:effectLst/>
+                        </a:rPr>
+                        <a:t>Billing System Ecosystem</a:t>
+                      </a:r>
+                      <a:endParaRPr lang="en-IN" sz="1400" b="1" i="0" u="none" strike="noStrike" dirty="0">
+                        <a:solidFill>
+                          <a:srgbClr val="000000"/>
+                        </a:solidFill>
+                        <a:effectLst/>
+                        <a:latin typeface="Calibri" panose="020F0502020204030204" pitchFamily="34" charset="0"/>
+                      </a:endParaRPr>
+                    </a:p>
+                  </a:txBody>
+                  <a:tcPr marL="3126" marR="3126" marT="3126" marB="0" anchor="b"/>
+                </a:tc>
+                <a:tc>
+                  <a:txBody>
+                    <a:bodyPr/>
+                    <a:lstStyle/>
+                    <a:p>
+                      <a:pPr algn="l" fontAlgn="b"/>
+                      <a:r>
+                        <a:rPr lang="en-IN" sz="500" u="none" strike="noStrike">
+                          <a:effectLst/>
+                        </a:rPr>
+                        <a:t> </a:t>
+                      </a:r>
+                      <a:endParaRPr lang="en-IN" sz="500" b="0" i="0" u="none" strike="noStrike">
+                        <a:solidFill>
+                          <a:srgbClr val="000000"/>
+                        </a:solidFill>
+                        <a:effectLst/>
+                        <a:latin typeface="Calibri" panose="020F0502020204030204" pitchFamily="34" charset="0"/>
+                      </a:endParaRPr>
+                    </a:p>
+                  </a:txBody>
+                  <a:tcPr marL="3126" marR="3126" marT="3126" marB="0" anchor="b"/>
+                </a:tc>
+                <a:tc>
+                  <a:txBody>
+                    <a:bodyPr/>
+                    <a:lstStyle/>
+                    <a:p>
+                      <a:pPr algn="l" fontAlgn="b"/>
+                      <a:r>
+                        <a:rPr lang="en-IN" sz="500" u="none" strike="noStrike">
+                          <a:effectLst/>
+                        </a:rPr>
+                        <a:t> </a:t>
+                      </a:r>
+                      <a:endParaRPr lang="en-IN" sz="500" b="0" i="0" u="none" strike="noStrike">
+                        <a:solidFill>
+                          <a:srgbClr val="000000"/>
+                        </a:solidFill>
+                        <a:effectLst/>
+                        <a:latin typeface="Calibri" panose="020F0502020204030204" pitchFamily="34" charset="0"/>
+                      </a:endParaRPr>
+                    </a:p>
+                  </a:txBody>
+                  <a:tcPr marL="3126" marR="3126" marT="3126" marB="0" anchor="b"/>
+                </a:tc>
+                <a:extLst>
+                  <a:ext uri="{0D108BD9-81ED-4DB2-BD59-A6C34878D82A}">
+                    <a16:rowId xmlns:a16="http://schemas.microsoft.com/office/drawing/2014/main" val="2051282847"/>
+                  </a:ext>
+                </a:extLst>
+              </a:tr>
+              <a:tr h="126314">
+                <a:tc>
+                  <a:txBody>
+                    <a:bodyPr/>
+                    <a:lstStyle/>
+                    <a:p>
+                      <a:pPr algn="l" fontAlgn="b"/>
+                      <a:r>
+                        <a:rPr lang="en-IN" sz="1400" b="1" u="none" strike="noStrike" dirty="0">
+                          <a:effectLst/>
+                        </a:rPr>
+                        <a:t>External Interfaces</a:t>
+                      </a:r>
+                      <a:endParaRPr lang="en-IN" sz="1400" b="1" i="0" u="none" strike="noStrike" dirty="0">
+                        <a:solidFill>
+                          <a:srgbClr val="000000"/>
+                        </a:solidFill>
+                        <a:effectLst/>
+                        <a:latin typeface="Calibri" panose="020F0502020204030204" pitchFamily="34" charset="0"/>
+                      </a:endParaRPr>
+                    </a:p>
+                  </a:txBody>
+                  <a:tcPr marL="3126" marR="3126" marT="3126" marB="0" anchor="b">
+                    <a:solidFill>
+                      <a:schemeClr val="accent1">
+                        <a:tint val="20000"/>
+                        <a:alpha val="93000"/>
+                      </a:schemeClr>
+                    </a:solidFill>
+                  </a:tcPr>
+                </a:tc>
+                <a:tc>
+                  <a:txBody>
+                    <a:bodyPr/>
+                    <a:lstStyle/>
+                    <a:p>
+                      <a:pPr algn="l" fontAlgn="b"/>
+                      <a:r>
+                        <a:rPr lang="en-IN" sz="1400" b="1" u="none" strike="noStrike" dirty="0">
+                          <a:effectLst/>
+                        </a:rPr>
+                        <a:t>Technology Landscape</a:t>
+                      </a:r>
+                      <a:endParaRPr lang="en-IN" sz="1400" b="1" i="0" u="none" strike="noStrike" dirty="0">
+                        <a:solidFill>
+                          <a:srgbClr val="000000"/>
+                        </a:solidFill>
+                        <a:effectLst/>
+                        <a:latin typeface="Calibri" panose="020F0502020204030204" pitchFamily="34" charset="0"/>
+                      </a:endParaRPr>
+                    </a:p>
+                  </a:txBody>
+                  <a:tcPr marL="3126" marR="3126" marT="3126" marB="0" anchor="b">
+                    <a:solidFill>
+                      <a:schemeClr val="accent1">
+                        <a:tint val="20000"/>
+                        <a:alpha val="93000"/>
+                      </a:schemeClr>
+                    </a:solidFill>
+                  </a:tcPr>
+                </a:tc>
+                <a:tc>
+                  <a:txBody>
+                    <a:bodyPr/>
+                    <a:lstStyle/>
+                    <a:p>
+                      <a:pPr algn="l" fontAlgn="b"/>
+                      <a:r>
+                        <a:rPr lang="en-IN" sz="1400" b="1" u="none" strike="noStrike" dirty="0">
+                          <a:effectLst/>
+                        </a:rPr>
+                        <a:t>Description</a:t>
+                      </a:r>
+                      <a:endParaRPr lang="en-IN" sz="1400" b="1" i="0" u="none" strike="noStrike" dirty="0">
+                        <a:solidFill>
+                          <a:srgbClr val="000000"/>
+                        </a:solidFill>
+                        <a:effectLst/>
+                        <a:latin typeface="Calibri" panose="020F0502020204030204" pitchFamily="34" charset="0"/>
+                      </a:endParaRPr>
+                    </a:p>
+                  </a:txBody>
+                  <a:tcPr marL="3126" marR="3126" marT="3126" marB="0" anchor="b">
+                    <a:solidFill>
+                      <a:schemeClr val="accent1">
+                        <a:tint val="20000"/>
+                        <a:alpha val="93000"/>
+                      </a:schemeClr>
+                    </a:solidFill>
+                  </a:tcPr>
+                </a:tc>
+                <a:extLst>
+                  <a:ext uri="{0D108BD9-81ED-4DB2-BD59-A6C34878D82A}">
+                    <a16:rowId xmlns:a16="http://schemas.microsoft.com/office/drawing/2014/main" val="4207777346"/>
+                  </a:ext>
+                </a:extLst>
+              </a:tr>
+              <a:tr h="631571">
+                <a:tc>
+                  <a:txBody>
+                    <a:bodyPr/>
+                    <a:lstStyle/>
+                    <a:p>
+                      <a:pPr algn="l" fontAlgn="b"/>
+                      <a:r>
+                        <a:rPr lang="en-IN" sz="1400" u="none" strike="noStrike">
+                          <a:effectLst/>
+                        </a:rPr>
+                        <a:t>Payment Gateway</a:t>
+                      </a:r>
+                      <a:endParaRPr lang="en-IN" sz="1400" b="0" i="0" u="none" strike="noStrike">
+                        <a:solidFill>
+                          <a:srgbClr val="000000"/>
+                        </a:solidFill>
+                        <a:effectLst/>
+                        <a:latin typeface="Calibri" panose="020F0502020204030204" pitchFamily="34" charset="0"/>
+                      </a:endParaRPr>
+                    </a:p>
+                  </a:txBody>
+                  <a:tcPr marL="3126" marR="3126" marT="3126" marB="0" anchor="b"/>
+                </a:tc>
+                <a:tc>
+                  <a:txBody>
+                    <a:bodyPr/>
+                    <a:lstStyle/>
+                    <a:p>
+                      <a:pPr algn="l" fontAlgn="b"/>
+                      <a:r>
+                        <a:rPr lang="en-IN" sz="1200" u="none" strike="noStrike">
+                          <a:effectLst/>
+                        </a:rPr>
+                        <a:t>External System</a:t>
+                      </a:r>
+                      <a:endParaRPr lang="en-IN" sz="1200" b="0" i="0" u="none" strike="noStrike">
+                        <a:solidFill>
+                          <a:srgbClr val="000000"/>
+                        </a:solidFill>
+                        <a:effectLst/>
+                        <a:latin typeface="Calibri" panose="020F0502020204030204" pitchFamily="34" charset="0"/>
+                      </a:endParaRPr>
+                    </a:p>
+                  </a:txBody>
+                  <a:tcPr marL="3126" marR="3126" marT="3126" marB="0" anchor="b"/>
+                </a:tc>
+                <a:tc>
+                  <a:txBody>
+                    <a:bodyPr/>
+                    <a:lstStyle/>
+                    <a:p>
+                      <a:pPr algn="l" fontAlgn="b"/>
+                      <a:r>
+                        <a:rPr lang="en-GB" sz="1200" u="none" strike="noStrike" dirty="0">
+                          <a:effectLst/>
+                        </a:rPr>
+                        <a:t>Payment Gateway connecting to different Payment Systems/Banks depending on the payment type. Currently, payment only comes from Customer Wallet. But possible to extend it to other payment types like UPI/Credit Card/Net Banking etc.</a:t>
+                      </a:r>
+                      <a:endParaRPr lang="en-GB" sz="1200" b="0" i="0" u="none" strike="noStrike" dirty="0">
+                        <a:solidFill>
+                          <a:srgbClr val="000000"/>
+                        </a:solidFill>
+                        <a:effectLst/>
+                        <a:latin typeface="Calibri" panose="020F0502020204030204" pitchFamily="34" charset="0"/>
+                      </a:endParaRPr>
+                    </a:p>
+                  </a:txBody>
+                  <a:tcPr marL="3126" marR="3126" marT="3126" marB="0" anchor="b"/>
+                </a:tc>
+                <a:extLst>
+                  <a:ext uri="{0D108BD9-81ED-4DB2-BD59-A6C34878D82A}">
+                    <a16:rowId xmlns:a16="http://schemas.microsoft.com/office/drawing/2014/main" val="2039094057"/>
+                  </a:ext>
+                </a:extLst>
+              </a:tr>
+              <a:tr h="378944">
+                <a:tc>
+                  <a:txBody>
+                    <a:bodyPr/>
+                    <a:lstStyle/>
+                    <a:p>
+                      <a:pPr algn="l" fontAlgn="b"/>
+                      <a:r>
+                        <a:rPr lang="en-IN" sz="1400" u="none" strike="noStrike" dirty="0">
+                          <a:effectLst/>
+                        </a:rPr>
+                        <a:t>External Biller Registry</a:t>
+                      </a:r>
+                      <a:endParaRPr lang="en-IN" sz="1400" b="0" i="0" u="none" strike="noStrike" dirty="0">
+                        <a:solidFill>
+                          <a:srgbClr val="000000"/>
+                        </a:solidFill>
+                        <a:effectLst/>
+                        <a:latin typeface="Calibri" panose="020F0502020204030204" pitchFamily="34" charset="0"/>
+                      </a:endParaRPr>
+                    </a:p>
+                  </a:txBody>
+                  <a:tcPr marL="3126" marR="3126" marT="3126" marB="0" anchor="b"/>
+                </a:tc>
+                <a:tc>
+                  <a:txBody>
+                    <a:bodyPr/>
+                    <a:lstStyle/>
+                    <a:p>
+                      <a:pPr algn="l" fontAlgn="b"/>
+                      <a:r>
+                        <a:rPr lang="en-IN" sz="1200" u="none" strike="noStrike">
+                          <a:effectLst/>
+                        </a:rPr>
+                        <a:t>External System</a:t>
+                      </a:r>
+                      <a:endParaRPr lang="en-IN" sz="1200" b="0" i="0" u="none" strike="noStrike">
+                        <a:solidFill>
+                          <a:srgbClr val="000000"/>
+                        </a:solidFill>
+                        <a:effectLst/>
+                        <a:latin typeface="Calibri" panose="020F0502020204030204" pitchFamily="34" charset="0"/>
+                      </a:endParaRPr>
+                    </a:p>
+                  </a:txBody>
+                  <a:tcPr marL="3126" marR="3126" marT="3126" marB="0" anchor="b"/>
+                </a:tc>
+                <a:tc>
+                  <a:txBody>
+                    <a:bodyPr/>
+                    <a:lstStyle/>
+                    <a:p>
+                      <a:pPr algn="l" fontAlgn="b"/>
+                      <a:r>
+                        <a:rPr lang="en-GB" sz="1200" u="none" strike="noStrike" dirty="0">
+                          <a:effectLst/>
+                        </a:rPr>
+                        <a:t>A register of Billers and the bills for a customer. Interface available to pull bills applicable for a customer identified by email Id.</a:t>
+                      </a:r>
+                      <a:endParaRPr lang="en-GB" sz="1200" b="0" i="0" u="none" strike="noStrike" dirty="0">
+                        <a:solidFill>
+                          <a:srgbClr val="000000"/>
+                        </a:solidFill>
+                        <a:effectLst/>
+                        <a:latin typeface="Calibri" panose="020F0502020204030204" pitchFamily="34" charset="0"/>
+                      </a:endParaRPr>
+                    </a:p>
+                  </a:txBody>
+                  <a:tcPr marL="3126" marR="3126" marT="3126" marB="0" anchor="b"/>
+                </a:tc>
+                <a:extLst>
+                  <a:ext uri="{0D108BD9-81ED-4DB2-BD59-A6C34878D82A}">
+                    <a16:rowId xmlns:a16="http://schemas.microsoft.com/office/drawing/2014/main" val="3303521352"/>
+                  </a:ext>
+                </a:extLst>
+              </a:tr>
+            </a:tbl>
+          </a:graphicData>
+        </a:graphic>
+      </p:graphicFrame>
+    </p:spTree>
+    <p:extLst>
+      <p:ext uri="{BB962C8B-B14F-4D97-AF65-F5344CB8AC3E}">
+        <p14:creationId xmlns:p14="http://schemas.microsoft.com/office/powerpoint/2010/main" val="184247503"/>
+      </p:ext>
+    </p:extLst>
+  </p:cSld>
+  <p:clrMapOvr>
+    <a:masterClrMapping/>
+  </p:clrMapOvr>
+</p:sld>
+</file>
+
 <file path=ppt/theme/theme1.xml><?xml version="1.0" encoding="utf-8"?>
 <a:theme xmlns:a="http://schemas.openxmlformats.org/drawingml/2006/main" name="Office Theme">
   <a:themeElements>

--- a/BillingSystem.pptx
+++ b/BillingSystem.pptx
@@ -8,6 +8,7 @@
     <p:sldId id="256" r:id="rId2"/>
     <p:sldId id="258" r:id="rId3"/>
     <p:sldId id="257" r:id="rId4"/>
+    <p:sldId id="259" r:id="rId5"/>
   </p:sldIdLst>
   <p:sldSz cx="12192000" cy="6858000"/>
   <p:notesSz cx="6858000" cy="9144000"/>
@@ -3469,7 +3470,7 @@
           <p:nvPr>
             <p:extLst>
               <p:ext uri="{D42A27DB-BD31-4B8C-83A1-F6EECF244321}">
-                <p14:modId xmlns:p14="http://schemas.microsoft.com/office/powerpoint/2010/main" val="3228940486"/>
+                <p14:modId xmlns:p14="http://schemas.microsoft.com/office/powerpoint/2010/main" val="1166418892"/>
               </p:ext>
             </p:extLst>
           </p:nvPr>
@@ -3589,7 +3590,7 @@
                     <a:bodyPr/>
                     <a:lstStyle/>
                     <a:p>
-                      <a:pPr algn="l" fontAlgn="b"/>
+                      <a:pPr algn="ctr" fontAlgn="b"/>
                       <a:r>
                         <a:rPr lang="en-IN" sz="1400" b="1" u="none" strike="noStrike" dirty="0">
                           <a:effectLst/>
@@ -3619,7 +3620,7 @@
                     <a:bodyPr/>
                     <a:lstStyle/>
                     <a:p>
-                      <a:pPr algn="l" fontAlgn="b"/>
+                      <a:pPr algn="ctr" fontAlgn="b"/>
                       <a:r>
                         <a:rPr lang="en-IN" sz="1400" b="1" u="none" strike="noStrike" dirty="0">
                           <a:effectLst/>
@@ -3649,7 +3650,7 @@
                     <a:bodyPr/>
                     <a:lstStyle/>
                     <a:p>
-                      <a:pPr algn="l" fontAlgn="b"/>
+                      <a:pPr algn="ctr" fontAlgn="b"/>
                       <a:r>
                         <a:rPr lang="en-IN" sz="1400" b="1" u="none" strike="noStrike" dirty="0">
                           <a:effectLst/>
@@ -4643,14 +4644,14 @@
           <p:nvPr>
             <p:extLst>
               <p:ext uri="{D42A27DB-BD31-4B8C-83A1-F6EECF244321}">
-                <p14:modId xmlns:p14="http://schemas.microsoft.com/office/powerpoint/2010/main" val="2787044252"/>
+                <p14:modId xmlns:p14="http://schemas.microsoft.com/office/powerpoint/2010/main" val="3326990450"/>
               </p:ext>
             </p:extLst>
           </p:nvPr>
         </p:nvGraphicFramePr>
         <p:xfrm>
           <a:off x="426720" y="447040"/>
-          <a:ext cx="11410783" cy="1443487"/>
+          <a:ext cx="11410783" cy="1822431"/>
         </p:xfrm>
         <a:graphic>
           <a:graphicData uri="http://schemas.openxmlformats.org/drawingml/2006/table">
@@ -4763,7 +4764,7 @@
                     <a:bodyPr/>
                     <a:lstStyle/>
                     <a:p>
-                      <a:pPr algn="l" fontAlgn="b"/>
+                      <a:pPr algn="ctr" fontAlgn="b"/>
                       <a:r>
                         <a:rPr lang="en-IN" sz="1400" b="1" u="none" strike="noStrike" dirty="0">
                           <a:effectLst/>
@@ -4793,7 +4794,7 @@
                     <a:bodyPr/>
                     <a:lstStyle/>
                     <a:p>
-                      <a:pPr algn="l" fontAlgn="b"/>
+                      <a:pPr algn="ctr" fontAlgn="b"/>
                       <a:r>
                         <a:rPr lang="en-IN" sz="1400" b="1" u="none" strike="noStrike" dirty="0">
                           <a:effectLst/>
@@ -4823,7 +4824,7 @@
                     <a:bodyPr/>
                     <a:lstStyle/>
                     <a:p>
-                      <a:pPr algn="l" fontAlgn="b"/>
+                      <a:pPr algn="ctr" fontAlgn="b"/>
                       <a:r>
                         <a:rPr lang="en-IN" sz="1400" b="1" u="none" strike="noStrike" dirty="0">
                           <a:effectLst/>
@@ -4885,12 +4886,12 @@
                     <a:p>
                       <a:pPr algn="l" fontAlgn="b"/>
                       <a:r>
-                        <a:rPr lang="en-IN" sz="1200" u="none" strike="noStrike">
+                        <a:rPr lang="en-IN" sz="1200" u="none" strike="noStrike" dirty="0">
                           <a:effectLst/>
                         </a:rPr>
                         <a:t>External System</a:t>
                       </a:r>
-                      <a:endParaRPr lang="en-IN" sz="1200" b="0" i="0" u="none" strike="noStrike">
+                      <a:endParaRPr lang="en-IN" sz="1200" b="0" i="0" u="none" strike="noStrike" dirty="0">
                         <a:solidFill>
                           <a:srgbClr val="000000"/>
                         </a:solidFill>
@@ -5003,6 +5004,73 @@
                 <a:extLst>
                   <a:ext uri="{0D108BD9-81ED-4DB2-BD59-A6C34878D82A}">
                     <a16:rowId xmlns:a16="http://schemas.microsoft.com/office/drawing/2014/main" val="3303521352"/>
+                  </a:ext>
+                </a:extLst>
+              </a:tr>
+              <a:tr h="378944">
+                <a:tc>
+                  <a:txBody>
+                    <a:bodyPr/>
+                    <a:lstStyle/>
+                    <a:p>
+                      <a:pPr algn="l" fontAlgn="b"/>
+                      <a:r>
+                        <a:rPr lang="en-IN" sz="1400" b="0" i="0" u="none" strike="noStrike" dirty="0">
+                          <a:solidFill>
+                            <a:srgbClr val="000000"/>
+                          </a:solidFill>
+                          <a:effectLst/>
+                          <a:latin typeface="Calibri" panose="020F0502020204030204" pitchFamily="34" charset="0"/>
+                        </a:rPr>
+                        <a:t>OTP Generator</a:t>
+                      </a:r>
+                    </a:p>
+                  </a:txBody>
+                  <a:tcPr marL="3126" marR="3126" marT="3126" marB="0" anchor="b"/>
+                </a:tc>
+                <a:tc>
+                  <a:txBody>
+                    <a:bodyPr/>
+                    <a:lstStyle/>
+                    <a:p>
+                      <a:pPr algn="l" fontAlgn="b"/>
+                      <a:r>
+                        <a:rPr lang="en-IN" sz="1200" b="0" i="0" u="none" strike="noStrike" dirty="0">
+                          <a:solidFill>
+                            <a:srgbClr val="000000"/>
+                          </a:solidFill>
+                          <a:effectLst/>
+                          <a:latin typeface="Calibri" panose="020F0502020204030204" pitchFamily="34" charset="0"/>
+                        </a:rPr>
+                        <a:t>External System</a:t>
+                      </a:r>
+                    </a:p>
+                  </a:txBody>
+                  <a:tcPr marL="3126" marR="3126" marT="3126" marB="0" anchor="b"/>
+                </a:tc>
+                <a:tc>
+                  <a:txBody>
+                    <a:bodyPr/>
+                    <a:lstStyle/>
+                    <a:p>
+                      <a:pPr algn="l" fontAlgn="b"/>
+                      <a:r>
+                        <a:rPr lang="en-GB" sz="1200" b="0" i="0" u="none" strike="noStrike" dirty="0">
+                          <a:solidFill>
+                            <a:srgbClr val="000000"/>
+                          </a:solidFill>
+                          <a:effectLst/>
+                          <a:latin typeface="Calibri" panose="020F0502020204030204" pitchFamily="34" charset="0"/>
+                        </a:rPr>
+                        <a:t>Used for two factor authentication. Customer enters the email Id and the MFA generates an OTP and sends it to the email.</a:t>
+                      </a:r>
+                    </a:p>
+                  </a:txBody>
+                  <a:tcPr marL="3126" marR="3126" marT="3126" marB="0" anchor="b"/>
+                </a:tc>
+                <a:extLst>
+                  <a:ext uri="{0D108BD9-81ED-4DB2-BD59-A6C34878D82A}">
+                    <a16:rowId xmlns:a16="http://schemas.microsoft.com/office/drawing/2014/main" val="1527585382"/>
                   </a:ext>
                 </a:extLst>
               </a:tr>
@@ -5014,6 +5082,2278 @@
     <p:extLst>
       <p:ext uri="{BB962C8B-B14F-4D97-AF65-F5344CB8AC3E}">
         <p14:creationId xmlns:p14="http://schemas.microsoft.com/office/powerpoint/2010/main" val="184247503"/>
+      </p:ext>
+    </p:extLst>
+  </p:cSld>
+  <p:clrMapOvr>
+    <a:masterClrMapping/>
+  </p:clrMapOvr>
+</p:sld>
+</file>
+
+<file path=ppt/slides/slide4.xml><?xml version="1.0" encoding="utf-8"?>
+<p:sld xmlns:a="http://schemas.openxmlformats.org/drawingml/2006/main" xmlns:r="http://schemas.openxmlformats.org/officeDocument/2006/relationships" xmlns:p="http://schemas.openxmlformats.org/presentationml/2006/main">
+  <p:cSld>
+    <p:spTree>
+      <p:nvGrpSpPr>
+        <p:cNvPr id="1" name=""/>
+        <p:cNvGrpSpPr/>
+        <p:nvPr/>
+      </p:nvGrpSpPr>
+      <p:grpSpPr>
+        <a:xfrm>
+          <a:off x="0" y="0"/>
+          <a:ext cx="0" cy="0"/>
+          <a:chOff x="0" y="0"/>
+          <a:chExt cx="0" cy="0"/>
+        </a:xfrm>
+      </p:grpSpPr>
+      <p:graphicFrame>
+        <p:nvGraphicFramePr>
+          <p:cNvPr id="4" name="Table 3">
+            <a:extLst>
+              <a:ext uri="{FF2B5EF4-FFF2-40B4-BE49-F238E27FC236}">
+                <a16:creationId xmlns:a16="http://schemas.microsoft.com/office/drawing/2014/main" id="{09F50580-99F0-42F1-D96B-3C6F89A42CD1}"/>
+              </a:ext>
+            </a:extLst>
+          </p:cNvPr>
+          <p:cNvGraphicFramePr>
+            <a:graphicFrameLocks noGrp="1"/>
+          </p:cNvGraphicFramePr>
+          <p:nvPr>
+            <p:extLst>
+              <p:ext uri="{D42A27DB-BD31-4B8C-83A1-F6EECF244321}">
+                <p14:modId xmlns:p14="http://schemas.microsoft.com/office/powerpoint/2010/main" val="3260447301"/>
+              </p:ext>
+            </p:extLst>
+          </p:nvPr>
+        </p:nvGraphicFramePr>
+        <p:xfrm>
+          <a:off x="218661" y="521473"/>
+          <a:ext cx="10890857" cy="6247912"/>
+        </p:xfrm>
+        <a:graphic>
+          <a:graphicData uri="http://schemas.openxmlformats.org/drawingml/2006/table">
+            <a:tbl>
+              <a:tblPr>
+                <a:tableStyleId>{5C22544A-7EE6-4342-B048-85BDC9FD1C3A}</a:tableStyleId>
+              </a:tblPr>
+              <a:tblGrid>
+                <a:gridCol w="2181879">
+                  <a:extLst>
+                    <a:ext uri="{9D8B030D-6E8A-4147-A177-3AD203B41FA5}">
+                      <a16:colId xmlns:a16="http://schemas.microsoft.com/office/drawing/2014/main" val="4106891447"/>
+                    </a:ext>
+                  </a:extLst>
+                </a:gridCol>
+                <a:gridCol w="2394439">
+                  <a:extLst>
+                    <a:ext uri="{9D8B030D-6E8A-4147-A177-3AD203B41FA5}">
+                      <a16:colId xmlns:a16="http://schemas.microsoft.com/office/drawing/2014/main" val="2421942216"/>
+                    </a:ext>
+                  </a:extLst>
+                </a:gridCol>
+                <a:gridCol w="1652799">
+                  <a:extLst>
+                    <a:ext uri="{9D8B030D-6E8A-4147-A177-3AD203B41FA5}">
+                      <a16:colId xmlns:a16="http://schemas.microsoft.com/office/drawing/2014/main" val="147286251"/>
+                    </a:ext>
+                  </a:extLst>
+                </a:gridCol>
+                <a:gridCol w="4661740">
+                  <a:extLst>
+                    <a:ext uri="{9D8B030D-6E8A-4147-A177-3AD203B41FA5}">
+                      <a16:colId xmlns:a16="http://schemas.microsoft.com/office/drawing/2014/main" val="1048102038"/>
+                    </a:ext>
+                  </a:extLst>
+                </a:gridCol>
+              </a:tblGrid>
+              <a:tr h="283996">
+                <a:tc>
+                  <a:txBody>
+                    <a:bodyPr/>
+                    <a:lstStyle/>
+                    <a:p>
+                      <a:pPr algn="ctr" fontAlgn="b"/>
+                      <a:r>
+                        <a:rPr lang="en-IN" sz="1400" b="1" u="none" strike="noStrike" dirty="0">
+                          <a:effectLst/>
+                        </a:rPr>
+                        <a:t>Subsystems</a:t>
+                      </a:r>
+                      <a:endParaRPr lang="en-IN" sz="1400" b="1" i="0" u="none" strike="noStrike" dirty="0">
+                        <a:solidFill>
+                          <a:srgbClr val="000000"/>
+                        </a:solidFill>
+                        <a:effectLst/>
+                        <a:latin typeface="Calibri" panose="020F0502020204030204" pitchFamily="34" charset="0"/>
+                      </a:endParaRPr>
+                    </a:p>
+                  </a:txBody>
+                  <a:tcPr marL="6350" marR="6350" marT="6350" marB="0" anchor="b"/>
+                </a:tc>
+                <a:tc>
+                  <a:txBody>
+                    <a:bodyPr/>
+                    <a:lstStyle/>
+                    <a:p>
+                      <a:pPr algn="ctr" fontAlgn="b"/>
+                      <a:r>
+                        <a:rPr lang="en-IN" sz="1400" b="1" u="none" strike="noStrike">
+                          <a:effectLst/>
+                        </a:rPr>
+                        <a:t>Microservices</a:t>
+                      </a:r>
+                      <a:endParaRPr lang="en-IN" sz="1400" b="1" i="0" u="none" strike="noStrike">
+                        <a:solidFill>
+                          <a:srgbClr val="000000"/>
+                        </a:solidFill>
+                        <a:effectLst/>
+                        <a:latin typeface="Calibri" panose="020F0502020204030204" pitchFamily="34" charset="0"/>
+                      </a:endParaRPr>
+                    </a:p>
+                  </a:txBody>
+                  <a:tcPr marL="6350" marR="6350" marT="6350" marB="0" anchor="b"/>
+                </a:tc>
+                <a:tc>
+                  <a:txBody>
+                    <a:bodyPr/>
+                    <a:lstStyle/>
+                    <a:p>
+                      <a:pPr algn="ctr" fontAlgn="b"/>
+                      <a:r>
+                        <a:rPr lang="en-IN" sz="1400" b="1" u="none" strike="noStrike">
+                          <a:effectLst/>
+                        </a:rPr>
+                        <a:t>Consumer</a:t>
+                      </a:r>
+                      <a:endParaRPr lang="en-IN" sz="1400" b="1" i="0" u="none" strike="noStrike">
+                        <a:solidFill>
+                          <a:srgbClr val="000000"/>
+                        </a:solidFill>
+                        <a:effectLst/>
+                        <a:latin typeface="Calibri" panose="020F0502020204030204" pitchFamily="34" charset="0"/>
+                      </a:endParaRPr>
+                    </a:p>
+                  </a:txBody>
+                  <a:tcPr marL="6350" marR="6350" marT="6350" marB="0" anchor="b"/>
+                </a:tc>
+                <a:tc>
+                  <a:txBody>
+                    <a:bodyPr/>
+                    <a:lstStyle/>
+                    <a:p>
+                      <a:pPr algn="ctr" fontAlgn="b"/>
+                      <a:r>
+                        <a:rPr lang="en-IN" sz="1400" b="1" u="none" strike="noStrike" dirty="0">
+                          <a:effectLst/>
+                        </a:rPr>
+                        <a:t>Interface</a:t>
+                      </a:r>
+                      <a:endParaRPr lang="en-IN" sz="1400" b="1" i="0" u="none" strike="noStrike" dirty="0">
+                        <a:solidFill>
+                          <a:srgbClr val="000000"/>
+                        </a:solidFill>
+                        <a:effectLst/>
+                        <a:latin typeface="Calibri" panose="020F0502020204030204" pitchFamily="34" charset="0"/>
+                      </a:endParaRPr>
+                    </a:p>
+                  </a:txBody>
+                  <a:tcPr marL="6350" marR="6350" marT="6350" marB="0" anchor="b"/>
+                </a:tc>
+                <a:extLst>
+                  <a:ext uri="{0D108BD9-81ED-4DB2-BD59-A6C34878D82A}">
+                    <a16:rowId xmlns:a16="http://schemas.microsoft.com/office/drawing/2014/main" val="4215070554"/>
+                  </a:ext>
+                </a:extLst>
+              </a:tr>
+              <a:tr h="283996">
+                <a:tc>
+                  <a:txBody>
+                    <a:bodyPr/>
+                    <a:lstStyle/>
+                    <a:p>
+                      <a:pPr algn="l" fontAlgn="b"/>
+                      <a:r>
+                        <a:rPr lang="en-IN" sz="1400" b="1" u="none" strike="noStrike" dirty="0">
+                          <a:effectLst/>
+                        </a:rPr>
+                        <a:t>Billing System</a:t>
+                      </a:r>
+                      <a:endParaRPr lang="en-IN" sz="1400" b="1" i="0" u="none" strike="noStrike" dirty="0">
+                        <a:solidFill>
+                          <a:srgbClr val="000000"/>
+                        </a:solidFill>
+                        <a:effectLst/>
+                        <a:latin typeface="Calibri" panose="020F0502020204030204" pitchFamily="34" charset="0"/>
+                      </a:endParaRPr>
+                    </a:p>
+                  </a:txBody>
+                  <a:tcPr marL="6350" marR="6350" marT="6350" marB="0" anchor="b"/>
+                </a:tc>
+                <a:tc>
+                  <a:txBody>
+                    <a:bodyPr/>
+                    <a:lstStyle/>
+                    <a:p>
+                      <a:pPr algn="l" fontAlgn="b"/>
+                      <a:r>
+                        <a:rPr lang="en-IN" sz="1400" u="none" strike="noStrike" dirty="0">
+                          <a:effectLst/>
+                        </a:rPr>
+                        <a:t>Register Customer</a:t>
+                      </a:r>
+                      <a:endParaRPr lang="en-IN" sz="1400" b="0" i="0" u="none" strike="noStrike" dirty="0">
+                        <a:solidFill>
+                          <a:srgbClr val="000000"/>
+                        </a:solidFill>
+                        <a:effectLst/>
+                        <a:latin typeface="Calibri" panose="020F0502020204030204" pitchFamily="34" charset="0"/>
+                      </a:endParaRPr>
+                    </a:p>
+                  </a:txBody>
+                  <a:tcPr marL="6350" marR="6350" marT="6350" marB="0" anchor="b"/>
+                </a:tc>
+                <a:tc>
+                  <a:txBody>
+                    <a:bodyPr/>
+                    <a:lstStyle/>
+                    <a:p>
+                      <a:pPr algn="l" fontAlgn="b"/>
+                      <a:r>
+                        <a:rPr lang="en-IN" sz="1400" u="none" strike="noStrike" dirty="0">
+                          <a:effectLst/>
+                        </a:rPr>
+                        <a:t>WebApp</a:t>
+                      </a:r>
+                      <a:endParaRPr lang="en-IN" sz="1400" b="0" i="0" u="none" strike="noStrike" dirty="0">
+                        <a:solidFill>
+                          <a:srgbClr val="000000"/>
+                        </a:solidFill>
+                        <a:effectLst/>
+                        <a:latin typeface="Calibri" panose="020F0502020204030204" pitchFamily="34" charset="0"/>
+                      </a:endParaRPr>
+                    </a:p>
+                  </a:txBody>
+                  <a:tcPr marL="6350" marR="6350" marT="6350" marB="0" anchor="b"/>
+                </a:tc>
+                <a:tc>
+                  <a:txBody>
+                    <a:bodyPr/>
+                    <a:lstStyle/>
+                    <a:p>
+                      <a:pPr algn="l" fontAlgn="b"/>
+                      <a:r>
+                        <a:rPr lang="en-IN" sz="1400" u="none" strike="noStrike" dirty="0">
+                          <a:effectLst/>
+                        </a:rPr>
+                        <a:t>Customer Repo</a:t>
+                      </a:r>
+                      <a:endParaRPr lang="en-IN" sz="1400" b="0" i="0" u="none" strike="noStrike" dirty="0">
+                        <a:solidFill>
+                          <a:srgbClr val="000000"/>
+                        </a:solidFill>
+                        <a:effectLst/>
+                        <a:latin typeface="Calibri" panose="020F0502020204030204" pitchFamily="34" charset="0"/>
+                      </a:endParaRPr>
+                    </a:p>
+                  </a:txBody>
+                  <a:tcPr marL="6350" marR="6350" marT="6350" marB="0" anchor="b"/>
+                </a:tc>
+                <a:extLst>
+                  <a:ext uri="{0D108BD9-81ED-4DB2-BD59-A6C34878D82A}">
+                    <a16:rowId xmlns:a16="http://schemas.microsoft.com/office/drawing/2014/main" val="2581668131"/>
+                  </a:ext>
+                </a:extLst>
+              </a:tr>
+              <a:tr h="283996">
+                <a:tc>
+                  <a:txBody>
+                    <a:bodyPr/>
+                    <a:lstStyle/>
+                    <a:p>
+                      <a:pPr algn="l" fontAlgn="b"/>
+                      <a:r>
+                        <a:rPr lang="en-IN" sz="1400" u="none" strike="noStrike" dirty="0">
+                          <a:effectLst/>
+                        </a:rPr>
+                        <a:t> </a:t>
+                      </a:r>
+                      <a:endParaRPr lang="en-IN" sz="1400" b="0" i="0" u="none" strike="noStrike" dirty="0">
+                        <a:solidFill>
+                          <a:srgbClr val="000000"/>
+                        </a:solidFill>
+                        <a:effectLst/>
+                        <a:latin typeface="Calibri" panose="020F0502020204030204" pitchFamily="34" charset="0"/>
+                      </a:endParaRPr>
+                    </a:p>
+                  </a:txBody>
+                  <a:tcPr marL="6350" marR="6350" marT="6350" marB="0" anchor="b"/>
+                </a:tc>
+                <a:tc>
+                  <a:txBody>
+                    <a:bodyPr/>
+                    <a:lstStyle/>
+                    <a:p>
+                      <a:pPr algn="l" fontAlgn="b"/>
+                      <a:r>
+                        <a:rPr lang="en-IN" sz="1400" u="none" strike="noStrike" dirty="0">
+                          <a:effectLst/>
+                        </a:rPr>
+                        <a:t>Fetch Bills</a:t>
+                      </a:r>
+                      <a:endParaRPr lang="en-IN" sz="1400" b="0" i="0" u="none" strike="noStrike" dirty="0">
+                        <a:solidFill>
+                          <a:srgbClr val="000000"/>
+                        </a:solidFill>
+                        <a:effectLst/>
+                        <a:latin typeface="Calibri" panose="020F0502020204030204" pitchFamily="34" charset="0"/>
+                      </a:endParaRPr>
+                    </a:p>
+                  </a:txBody>
+                  <a:tcPr marL="6350" marR="6350" marT="6350" marB="0" anchor="b"/>
+                </a:tc>
+                <a:tc>
+                  <a:txBody>
+                    <a:bodyPr/>
+                    <a:lstStyle/>
+                    <a:p>
+                      <a:pPr algn="l" fontAlgn="b"/>
+                      <a:r>
+                        <a:rPr lang="en-IN" sz="1400" u="none" strike="noStrike">
+                          <a:effectLst/>
+                        </a:rPr>
+                        <a:t>WebApp</a:t>
+                      </a:r>
+                      <a:endParaRPr lang="en-IN" sz="1400" b="0" i="0" u="none" strike="noStrike">
+                        <a:solidFill>
+                          <a:srgbClr val="000000"/>
+                        </a:solidFill>
+                        <a:effectLst/>
+                        <a:latin typeface="Calibri" panose="020F0502020204030204" pitchFamily="34" charset="0"/>
+                      </a:endParaRPr>
+                    </a:p>
+                  </a:txBody>
+                  <a:tcPr marL="6350" marR="6350" marT="6350" marB="0" anchor="b"/>
+                </a:tc>
+                <a:tc>
+                  <a:txBody>
+                    <a:bodyPr/>
+                    <a:lstStyle/>
+                    <a:p>
+                      <a:pPr algn="l" fontAlgn="b"/>
+                      <a:r>
+                        <a:rPr lang="en-IN" sz="1400" u="none" strike="noStrike">
+                          <a:effectLst/>
+                        </a:rPr>
+                        <a:t>Biller Registry</a:t>
+                      </a:r>
+                      <a:endParaRPr lang="en-IN" sz="1400" b="0" i="0" u="none" strike="noStrike">
+                        <a:solidFill>
+                          <a:srgbClr val="000000"/>
+                        </a:solidFill>
+                        <a:effectLst/>
+                        <a:latin typeface="Calibri" panose="020F0502020204030204" pitchFamily="34" charset="0"/>
+                      </a:endParaRPr>
+                    </a:p>
+                  </a:txBody>
+                  <a:tcPr marL="6350" marR="6350" marT="6350" marB="0" anchor="b"/>
+                </a:tc>
+                <a:extLst>
+                  <a:ext uri="{0D108BD9-81ED-4DB2-BD59-A6C34878D82A}">
+                    <a16:rowId xmlns:a16="http://schemas.microsoft.com/office/drawing/2014/main" val="396570317"/>
+                  </a:ext>
+                </a:extLst>
+              </a:tr>
+              <a:tr h="283996">
+                <a:tc>
+                  <a:txBody>
+                    <a:bodyPr/>
+                    <a:lstStyle/>
+                    <a:p>
+                      <a:pPr algn="l" fontAlgn="b"/>
+                      <a:r>
+                        <a:rPr lang="en-IN" sz="1400" u="none" strike="noStrike">
+                          <a:effectLst/>
+                        </a:rPr>
+                        <a:t> </a:t>
+                      </a:r>
+                      <a:endParaRPr lang="en-IN" sz="1400" b="0" i="0" u="none" strike="noStrike">
+                        <a:solidFill>
+                          <a:srgbClr val="000000"/>
+                        </a:solidFill>
+                        <a:effectLst/>
+                        <a:latin typeface="Calibri" panose="020F0502020204030204" pitchFamily="34" charset="0"/>
+                      </a:endParaRPr>
+                    </a:p>
+                  </a:txBody>
+                  <a:tcPr marL="6350" marR="6350" marT="6350" marB="0" anchor="b"/>
+                </a:tc>
+                <a:tc>
+                  <a:txBody>
+                    <a:bodyPr/>
+                    <a:lstStyle/>
+                    <a:p>
+                      <a:pPr algn="l" fontAlgn="b"/>
+                      <a:r>
+                        <a:rPr lang="en-IN" sz="1400" u="none" strike="noStrike" dirty="0">
+                          <a:effectLst/>
+                        </a:rPr>
+                        <a:t>Create Customer</a:t>
+                      </a:r>
+                      <a:endParaRPr lang="en-IN" sz="1400" b="0" i="0" u="none" strike="noStrike" dirty="0">
+                        <a:solidFill>
+                          <a:srgbClr val="000000"/>
+                        </a:solidFill>
+                        <a:effectLst/>
+                        <a:latin typeface="Calibri" panose="020F0502020204030204" pitchFamily="34" charset="0"/>
+                      </a:endParaRPr>
+                    </a:p>
+                  </a:txBody>
+                  <a:tcPr marL="6350" marR="6350" marT="6350" marB="0" anchor="b"/>
+                </a:tc>
+                <a:tc>
+                  <a:txBody>
+                    <a:bodyPr/>
+                    <a:lstStyle/>
+                    <a:p>
+                      <a:pPr algn="l" fontAlgn="b"/>
+                      <a:r>
+                        <a:rPr lang="en-IN" sz="1400" u="none" strike="noStrike" dirty="0">
+                          <a:effectLst/>
+                        </a:rPr>
+                        <a:t>WebApp</a:t>
+                      </a:r>
+                      <a:endParaRPr lang="en-IN" sz="1400" b="0" i="0" u="none" strike="noStrike" dirty="0">
+                        <a:solidFill>
+                          <a:srgbClr val="000000"/>
+                        </a:solidFill>
+                        <a:effectLst/>
+                        <a:latin typeface="Calibri" panose="020F0502020204030204" pitchFamily="34" charset="0"/>
+                      </a:endParaRPr>
+                    </a:p>
+                  </a:txBody>
+                  <a:tcPr marL="6350" marR="6350" marT="6350" marB="0" anchor="b"/>
+                </a:tc>
+                <a:tc>
+                  <a:txBody>
+                    <a:bodyPr/>
+                    <a:lstStyle/>
+                    <a:p>
+                      <a:pPr algn="l" fontAlgn="b"/>
+                      <a:r>
+                        <a:rPr lang="en-IN" sz="1400" u="none" strike="noStrike">
+                          <a:effectLst/>
+                        </a:rPr>
+                        <a:t>Customer Repo</a:t>
+                      </a:r>
+                      <a:endParaRPr lang="en-IN" sz="1400" b="0" i="0" u="none" strike="noStrike">
+                        <a:solidFill>
+                          <a:srgbClr val="000000"/>
+                        </a:solidFill>
+                        <a:effectLst/>
+                        <a:latin typeface="Calibri" panose="020F0502020204030204" pitchFamily="34" charset="0"/>
+                      </a:endParaRPr>
+                    </a:p>
+                  </a:txBody>
+                  <a:tcPr marL="6350" marR="6350" marT="6350" marB="0" anchor="b"/>
+                </a:tc>
+                <a:extLst>
+                  <a:ext uri="{0D108BD9-81ED-4DB2-BD59-A6C34878D82A}">
+                    <a16:rowId xmlns:a16="http://schemas.microsoft.com/office/drawing/2014/main" val="3958547693"/>
+                  </a:ext>
+                </a:extLst>
+              </a:tr>
+              <a:tr h="283996">
+                <a:tc>
+                  <a:txBody>
+                    <a:bodyPr/>
+                    <a:lstStyle/>
+                    <a:p>
+                      <a:pPr algn="l" fontAlgn="b"/>
+                      <a:r>
+                        <a:rPr lang="en-IN" sz="1400" u="none" strike="noStrike">
+                          <a:effectLst/>
+                        </a:rPr>
+                        <a:t> </a:t>
+                      </a:r>
+                      <a:endParaRPr lang="en-IN" sz="1400" b="0" i="0" u="none" strike="noStrike">
+                        <a:solidFill>
+                          <a:srgbClr val="000000"/>
+                        </a:solidFill>
+                        <a:effectLst/>
+                        <a:latin typeface="Calibri" panose="020F0502020204030204" pitchFamily="34" charset="0"/>
+                      </a:endParaRPr>
+                    </a:p>
+                  </a:txBody>
+                  <a:tcPr marL="6350" marR="6350" marT="6350" marB="0" anchor="b"/>
+                </a:tc>
+                <a:tc>
+                  <a:txBody>
+                    <a:bodyPr/>
+                    <a:lstStyle/>
+                    <a:p>
+                      <a:pPr algn="l" fontAlgn="b"/>
+                      <a:r>
+                        <a:rPr lang="en-IN" sz="1400" u="none" strike="noStrike" dirty="0">
+                          <a:effectLst/>
+                        </a:rPr>
+                        <a:t>Create Wallet</a:t>
+                      </a:r>
+                      <a:endParaRPr lang="en-IN" sz="1400" b="0" i="0" u="none" strike="noStrike" dirty="0">
+                        <a:solidFill>
+                          <a:srgbClr val="000000"/>
+                        </a:solidFill>
+                        <a:effectLst/>
+                        <a:latin typeface="Calibri" panose="020F0502020204030204" pitchFamily="34" charset="0"/>
+                      </a:endParaRPr>
+                    </a:p>
+                  </a:txBody>
+                  <a:tcPr marL="6350" marR="6350" marT="6350" marB="0" anchor="b"/>
+                </a:tc>
+                <a:tc>
+                  <a:txBody>
+                    <a:bodyPr/>
+                    <a:lstStyle/>
+                    <a:p>
+                      <a:pPr algn="l" fontAlgn="b"/>
+                      <a:r>
+                        <a:rPr lang="en-IN" sz="1400" u="none" strike="noStrike" dirty="0">
+                          <a:effectLst/>
+                        </a:rPr>
+                        <a:t>Billing System</a:t>
+                      </a:r>
+                      <a:endParaRPr lang="en-IN" sz="1400" b="0" i="0" u="none" strike="noStrike" dirty="0">
+                        <a:solidFill>
+                          <a:srgbClr val="000000"/>
+                        </a:solidFill>
+                        <a:effectLst/>
+                        <a:latin typeface="Calibri" panose="020F0502020204030204" pitchFamily="34" charset="0"/>
+                      </a:endParaRPr>
+                    </a:p>
+                  </a:txBody>
+                  <a:tcPr marL="6350" marR="6350" marT="6350" marB="0" anchor="b"/>
+                </a:tc>
+                <a:tc>
+                  <a:txBody>
+                    <a:bodyPr/>
+                    <a:lstStyle/>
+                    <a:p>
+                      <a:pPr algn="l" fontAlgn="b"/>
+                      <a:r>
+                        <a:rPr lang="en-IN" sz="1400" u="none" strike="noStrike">
+                          <a:effectLst/>
+                        </a:rPr>
+                        <a:t>Customer Repo</a:t>
+                      </a:r>
+                      <a:endParaRPr lang="en-IN" sz="1400" b="0" i="0" u="none" strike="noStrike">
+                        <a:solidFill>
+                          <a:srgbClr val="000000"/>
+                        </a:solidFill>
+                        <a:effectLst/>
+                        <a:latin typeface="Calibri" panose="020F0502020204030204" pitchFamily="34" charset="0"/>
+                      </a:endParaRPr>
+                    </a:p>
+                  </a:txBody>
+                  <a:tcPr marL="6350" marR="6350" marT="6350" marB="0" anchor="b"/>
+                </a:tc>
+                <a:extLst>
+                  <a:ext uri="{0D108BD9-81ED-4DB2-BD59-A6C34878D82A}">
+                    <a16:rowId xmlns:a16="http://schemas.microsoft.com/office/drawing/2014/main" val="1433986806"/>
+                  </a:ext>
+                </a:extLst>
+              </a:tr>
+              <a:tr h="283996">
+                <a:tc>
+                  <a:txBody>
+                    <a:bodyPr/>
+                    <a:lstStyle/>
+                    <a:p>
+                      <a:pPr algn="l" fontAlgn="b"/>
+                      <a:r>
+                        <a:rPr lang="en-IN" sz="1400" u="none" strike="noStrike" dirty="0">
+                          <a:effectLst/>
+                        </a:rPr>
+                        <a:t> </a:t>
+                      </a:r>
+                      <a:endParaRPr lang="en-IN" sz="1400" b="0" i="0" u="none" strike="noStrike" dirty="0">
+                        <a:solidFill>
+                          <a:srgbClr val="000000"/>
+                        </a:solidFill>
+                        <a:effectLst/>
+                        <a:latin typeface="Calibri" panose="020F0502020204030204" pitchFamily="34" charset="0"/>
+                      </a:endParaRPr>
+                    </a:p>
+                  </a:txBody>
+                  <a:tcPr marL="6350" marR="6350" marT="6350" marB="0" anchor="b"/>
+                </a:tc>
+                <a:tc>
+                  <a:txBody>
+                    <a:bodyPr/>
+                    <a:lstStyle/>
+                    <a:p>
+                      <a:pPr algn="l" fontAlgn="b"/>
+                      <a:r>
+                        <a:rPr lang="en-IN" sz="1400" u="none" strike="noStrike" dirty="0">
+                          <a:effectLst/>
+                        </a:rPr>
+                        <a:t>Load Wallet</a:t>
+                      </a:r>
+                      <a:endParaRPr lang="en-IN" sz="1400" b="0" i="0" u="none" strike="noStrike" dirty="0">
+                        <a:solidFill>
+                          <a:srgbClr val="000000"/>
+                        </a:solidFill>
+                        <a:effectLst/>
+                        <a:latin typeface="Calibri" panose="020F0502020204030204" pitchFamily="34" charset="0"/>
+                      </a:endParaRPr>
+                    </a:p>
+                  </a:txBody>
+                  <a:tcPr marL="6350" marR="6350" marT="6350" marB="0" anchor="b"/>
+                </a:tc>
+                <a:tc>
+                  <a:txBody>
+                    <a:bodyPr/>
+                    <a:lstStyle/>
+                    <a:p>
+                      <a:pPr algn="l" fontAlgn="b"/>
+                      <a:r>
+                        <a:rPr lang="en-IN" sz="1400" u="none" strike="noStrike" dirty="0">
+                          <a:effectLst/>
+                        </a:rPr>
+                        <a:t>WebApp</a:t>
+                      </a:r>
+                      <a:endParaRPr lang="en-IN" sz="1400" b="0" i="0" u="none" strike="noStrike" dirty="0">
+                        <a:solidFill>
+                          <a:srgbClr val="000000"/>
+                        </a:solidFill>
+                        <a:effectLst/>
+                        <a:latin typeface="Calibri" panose="020F0502020204030204" pitchFamily="34" charset="0"/>
+                      </a:endParaRPr>
+                    </a:p>
+                  </a:txBody>
+                  <a:tcPr marL="6350" marR="6350" marT="6350" marB="0" anchor="b"/>
+                </a:tc>
+                <a:tc>
+                  <a:txBody>
+                    <a:bodyPr/>
+                    <a:lstStyle/>
+                    <a:p>
+                      <a:pPr algn="l" fontAlgn="b"/>
+                      <a:r>
+                        <a:rPr lang="en-IN" sz="1400" u="none" strike="noStrike">
+                          <a:effectLst/>
+                        </a:rPr>
+                        <a:t>Customer Repo, Accounting</a:t>
+                      </a:r>
+                      <a:endParaRPr lang="en-IN" sz="1400" b="0" i="0" u="none" strike="noStrike">
+                        <a:solidFill>
+                          <a:srgbClr val="000000"/>
+                        </a:solidFill>
+                        <a:effectLst/>
+                        <a:latin typeface="Calibri" panose="020F0502020204030204" pitchFamily="34" charset="0"/>
+                      </a:endParaRPr>
+                    </a:p>
+                  </a:txBody>
+                  <a:tcPr marL="6350" marR="6350" marT="6350" marB="0" anchor="b"/>
+                </a:tc>
+                <a:extLst>
+                  <a:ext uri="{0D108BD9-81ED-4DB2-BD59-A6C34878D82A}">
+                    <a16:rowId xmlns:a16="http://schemas.microsoft.com/office/drawing/2014/main" val="2809777697"/>
+                  </a:ext>
+                </a:extLst>
+              </a:tr>
+              <a:tr h="283996">
+                <a:tc>
+                  <a:txBody>
+                    <a:bodyPr/>
+                    <a:lstStyle/>
+                    <a:p>
+                      <a:pPr algn="l" fontAlgn="b"/>
+                      <a:r>
+                        <a:rPr lang="en-IN" sz="1400" u="none" strike="noStrike" dirty="0">
+                          <a:effectLst/>
+                        </a:rPr>
+                        <a:t> </a:t>
+                      </a:r>
+                      <a:endParaRPr lang="en-IN" sz="1400" b="0" i="0" u="none" strike="noStrike" dirty="0">
+                        <a:solidFill>
+                          <a:srgbClr val="000000"/>
+                        </a:solidFill>
+                        <a:effectLst/>
+                        <a:latin typeface="Calibri" panose="020F0502020204030204" pitchFamily="34" charset="0"/>
+                      </a:endParaRPr>
+                    </a:p>
+                  </a:txBody>
+                  <a:tcPr marL="6350" marR="6350" marT="6350" marB="0" anchor="b"/>
+                </a:tc>
+                <a:tc>
+                  <a:txBody>
+                    <a:bodyPr/>
+                    <a:lstStyle/>
+                    <a:p>
+                      <a:pPr algn="l" fontAlgn="b"/>
+                      <a:r>
+                        <a:rPr lang="en-IN" sz="1400" u="none" strike="noStrike">
+                          <a:effectLst/>
+                        </a:rPr>
+                        <a:t>Update Wallet</a:t>
+                      </a:r>
+                      <a:endParaRPr lang="en-IN" sz="1400" b="0" i="0" u="none" strike="noStrike">
+                        <a:solidFill>
+                          <a:srgbClr val="000000"/>
+                        </a:solidFill>
+                        <a:effectLst/>
+                        <a:latin typeface="Calibri" panose="020F0502020204030204" pitchFamily="34" charset="0"/>
+                      </a:endParaRPr>
+                    </a:p>
+                  </a:txBody>
+                  <a:tcPr marL="6350" marR="6350" marT="6350" marB="0" anchor="b"/>
+                </a:tc>
+                <a:tc>
+                  <a:txBody>
+                    <a:bodyPr/>
+                    <a:lstStyle/>
+                    <a:p>
+                      <a:pPr algn="l" fontAlgn="b"/>
+                      <a:r>
+                        <a:rPr lang="en-IN" sz="1400" u="none" strike="noStrike" dirty="0">
+                          <a:effectLst/>
+                        </a:rPr>
+                        <a:t>WebApp</a:t>
+                      </a:r>
+                      <a:endParaRPr lang="en-IN" sz="1400" b="0" i="0" u="none" strike="noStrike" dirty="0">
+                        <a:solidFill>
+                          <a:srgbClr val="000000"/>
+                        </a:solidFill>
+                        <a:effectLst/>
+                        <a:latin typeface="Calibri" panose="020F0502020204030204" pitchFamily="34" charset="0"/>
+                      </a:endParaRPr>
+                    </a:p>
+                  </a:txBody>
+                  <a:tcPr marL="6350" marR="6350" marT="6350" marB="0" anchor="b"/>
+                </a:tc>
+                <a:tc>
+                  <a:txBody>
+                    <a:bodyPr/>
+                    <a:lstStyle/>
+                    <a:p>
+                      <a:pPr algn="l" fontAlgn="b"/>
+                      <a:r>
+                        <a:rPr lang="en-IN" sz="1400" u="none" strike="noStrike">
+                          <a:effectLst/>
+                        </a:rPr>
+                        <a:t>Customer Repo, Accounting</a:t>
+                      </a:r>
+                      <a:endParaRPr lang="en-IN" sz="1400" b="0" i="0" u="none" strike="noStrike">
+                        <a:solidFill>
+                          <a:srgbClr val="000000"/>
+                        </a:solidFill>
+                        <a:effectLst/>
+                        <a:latin typeface="Calibri" panose="020F0502020204030204" pitchFamily="34" charset="0"/>
+                      </a:endParaRPr>
+                    </a:p>
+                  </a:txBody>
+                  <a:tcPr marL="6350" marR="6350" marT="6350" marB="0" anchor="b"/>
+                </a:tc>
+                <a:extLst>
+                  <a:ext uri="{0D108BD9-81ED-4DB2-BD59-A6C34878D82A}">
+                    <a16:rowId xmlns:a16="http://schemas.microsoft.com/office/drawing/2014/main" val="1994824987"/>
+                  </a:ext>
+                </a:extLst>
+              </a:tr>
+              <a:tr h="283996">
+                <a:tc>
+                  <a:txBody>
+                    <a:bodyPr/>
+                    <a:lstStyle/>
+                    <a:p>
+                      <a:pPr algn="l" fontAlgn="b"/>
+                      <a:r>
+                        <a:rPr lang="en-IN" sz="1400" u="none" strike="noStrike" dirty="0">
+                          <a:effectLst/>
+                        </a:rPr>
+                        <a:t> </a:t>
+                      </a:r>
+                      <a:endParaRPr lang="en-IN" sz="1400" b="0" i="0" u="none" strike="noStrike" dirty="0">
+                        <a:solidFill>
+                          <a:srgbClr val="000000"/>
+                        </a:solidFill>
+                        <a:effectLst/>
+                        <a:latin typeface="Calibri" panose="020F0502020204030204" pitchFamily="34" charset="0"/>
+                      </a:endParaRPr>
+                    </a:p>
+                  </a:txBody>
+                  <a:tcPr marL="6350" marR="6350" marT="6350" marB="0" anchor="b"/>
+                </a:tc>
+                <a:tc>
+                  <a:txBody>
+                    <a:bodyPr/>
+                    <a:lstStyle/>
+                    <a:p>
+                      <a:pPr algn="l" fontAlgn="b"/>
+                      <a:r>
+                        <a:rPr lang="en-IN" sz="1400" u="none" strike="noStrike" dirty="0">
+                          <a:effectLst/>
+                        </a:rPr>
+                        <a:t>Customer Login</a:t>
+                      </a:r>
+                      <a:endParaRPr lang="en-IN" sz="1400" b="0" i="0" u="none" strike="noStrike" dirty="0">
+                        <a:solidFill>
+                          <a:srgbClr val="000000"/>
+                        </a:solidFill>
+                        <a:effectLst/>
+                        <a:latin typeface="Calibri" panose="020F0502020204030204" pitchFamily="34" charset="0"/>
+                      </a:endParaRPr>
+                    </a:p>
+                  </a:txBody>
+                  <a:tcPr marL="6350" marR="6350" marT="6350" marB="0" anchor="b"/>
+                </a:tc>
+                <a:tc>
+                  <a:txBody>
+                    <a:bodyPr/>
+                    <a:lstStyle/>
+                    <a:p>
+                      <a:pPr algn="l" fontAlgn="b"/>
+                      <a:r>
+                        <a:rPr lang="en-IN" sz="1400" u="none" strike="noStrike" dirty="0">
+                          <a:effectLst/>
+                        </a:rPr>
+                        <a:t>WebApp</a:t>
+                      </a:r>
+                      <a:endParaRPr lang="en-IN" sz="1400" b="0" i="0" u="none" strike="noStrike" dirty="0">
+                        <a:solidFill>
+                          <a:srgbClr val="000000"/>
+                        </a:solidFill>
+                        <a:effectLst/>
+                        <a:latin typeface="Calibri" panose="020F0502020204030204" pitchFamily="34" charset="0"/>
+                      </a:endParaRPr>
+                    </a:p>
+                  </a:txBody>
+                  <a:tcPr marL="6350" marR="6350" marT="6350" marB="0" anchor="b"/>
+                </a:tc>
+                <a:tc>
+                  <a:txBody>
+                    <a:bodyPr/>
+                    <a:lstStyle/>
+                    <a:p>
+                      <a:pPr algn="l" fontAlgn="b"/>
+                      <a:r>
+                        <a:rPr lang="en-GB" sz="1400" u="none" strike="noStrike" dirty="0">
+                          <a:effectLst/>
+                        </a:rPr>
+                        <a:t>OTP System</a:t>
+                      </a:r>
+                      <a:endParaRPr lang="en-GB" sz="1400" b="0" i="0" u="none" strike="noStrike" dirty="0">
+                        <a:solidFill>
+                          <a:srgbClr val="000000"/>
+                        </a:solidFill>
+                        <a:effectLst/>
+                        <a:latin typeface="Calibri" panose="020F0502020204030204" pitchFamily="34" charset="0"/>
+                      </a:endParaRPr>
+                    </a:p>
+                  </a:txBody>
+                  <a:tcPr marL="6350" marR="6350" marT="6350" marB="0" anchor="b"/>
+                </a:tc>
+                <a:extLst>
+                  <a:ext uri="{0D108BD9-81ED-4DB2-BD59-A6C34878D82A}">
+                    <a16:rowId xmlns:a16="http://schemas.microsoft.com/office/drawing/2014/main" val="1050532306"/>
+                  </a:ext>
+                </a:extLst>
+              </a:tr>
+              <a:tr h="283996">
+                <a:tc>
+                  <a:txBody>
+                    <a:bodyPr/>
+                    <a:lstStyle/>
+                    <a:p>
+                      <a:pPr algn="l" fontAlgn="b"/>
+                      <a:r>
+                        <a:rPr lang="en-IN" sz="1400" u="none" strike="noStrike" dirty="0">
+                          <a:effectLst/>
+                        </a:rPr>
+                        <a:t> </a:t>
+                      </a:r>
+                      <a:endParaRPr lang="en-IN" sz="1400" b="0" i="0" u="none" strike="noStrike" dirty="0">
+                        <a:solidFill>
+                          <a:srgbClr val="000000"/>
+                        </a:solidFill>
+                        <a:effectLst/>
+                        <a:latin typeface="Calibri" panose="020F0502020204030204" pitchFamily="34" charset="0"/>
+                      </a:endParaRPr>
+                    </a:p>
+                  </a:txBody>
+                  <a:tcPr marL="6350" marR="6350" marT="6350" marB="0" anchor="b"/>
+                </a:tc>
+                <a:tc>
+                  <a:txBody>
+                    <a:bodyPr/>
+                    <a:lstStyle/>
+                    <a:p>
+                      <a:pPr algn="l" fontAlgn="b"/>
+                      <a:r>
+                        <a:rPr lang="en-IN" sz="1400" u="none" strike="noStrike" dirty="0">
+                          <a:effectLst/>
+                        </a:rPr>
+                        <a:t>Pay Bill</a:t>
+                      </a:r>
+                      <a:endParaRPr lang="en-IN" sz="1400" b="0" i="0" u="none" strike="noStrike" dirty="0">
+                        <a:solidFill>
+                          <a:srgbClr val="000000"/>
+                        </a:solidFill>
+                        <a:effectLst/>
+                        <a:latin typeface="Calibri" panose="020F0502020204030204" pitchFamily="34" charset="0"/>
+                      </a:endParaRPr>
+                    </a:p>
+                  </a:txBody>
+                  <a:tcPr marL="6350" marR="6350" marT="6350" marB="0" anchor="b"/>
+                </a:tc>
+                <a:tc>
+                  <a:txBody>
+                    <a:bodyPr/>
+                    <a:lstStyle/>
+                    <a:p>
+                      <a:pPr algn="l" fontAlgn="b"/>
+                      <a:r>
+                        <a:rPr lang="en-IN" sz="1400" u="none" strike="noStrike" dirty="0">
+                          <a:effectLst/>
+                        </a:rPr>
+                        <a:t>WebApp</a:t>
+                      </a:r>
+                      <a:endParaRPr lang="en-IN" sz="1400" b="0" i="0" u="none" strike="noStrike" dirty="0">
+                        <a:solidFill>
+                          <a:srgbClr val="000000"/>
+                        </a:solidFill>
+                        <a:effectLst/>
+                        <a:latin typeface="Calibri" panose="020F0502020204030204" pitchFamily="34" charset="0"/>
+                      </a:endParaRPr>
+                    </a:p>
+                  </a:txBody>
+                  <a:tcPr marL="6350" marR="6350" marT="6350" marB="0" anchor="b"/>
+                </a:tc>
+                <a:tc>
+                  <a:txBody>
+                    <a:bodyPr/>
+                    <a:lstStyle/>
+                    <a:p>
+                      <a:pPr algn="l" fontAlgn="b"/>
+                      <a:r>
+                        <a:rPr lang="en-GB" sz="1400" u="none" strike="noStrike">
+                          <a:effectLst/>
+                        </a:rPr>
+                        <a:t>Payment Gateway, Customer Repo, Accounting</a:t>
+                      </a:r>
+                      <a:endParaRPr lang="en-GB" sz="1400" b="0" i="0" u="none" strike="noStrike">
+                        <a:solidFill>
+                          <a:srgbClr val="000000"/>
+                        </a:solidFill>
+                        <a:effectLst/>
+                        <a:latin typeface="Calibri" panose="020F0502020204030204" pitchFamily="34" charset="0"/>
+                      </a:endParaRPr>
+                    </a:p>
+                  </a:txBody>
+                  <a:tcPr marL="6350" marR="6350" marT="6350" marB="0" anchor="b"/>
+                </a:tc>
+                <a:extLst>
+                  <a:ext uri="{0D108BD9-81ED-4DB2-BD59-A6C34878D82A}">
+                    <a16:rowId xmlns:a16="http://schemas.microsoft.com/office/drawing/2014/main" val="396470857"/>
+                  </a:ext>
+                </a:extLst>
+              </a:tr>
+              <a:tr h="283996">
+                <a:tc>
+                  <a:txBody>
+                    <a:bodyPr/>
+                    <a:lstStyle/>
+                    <a:p>
+                      <a:pPr algn="l" fontAlgn="b"/>
+                      <a:r>
+                        <a:rPr lang="en-IN" sz="1400" u="none" strike="noStrike" dirty="0">
+                          <a:effectLst/>
+                        </a:rPr>
+                        <a:t> </a:t>
+                      </a:r>
+                      <a:endParaRPr lang="en-IN" sz="1400" b="0" i="0" u="none" strike="noStrike" dirty="0">
+                        <a:solidFill>
+                          <a:srgbClr val="000000"/>
+                        </a:solidFill>
+                        <a:effectLst/>
+                        <a:latin typeface="Calibri" panose="020F0502020204030204" pitchFamily="34" charset="0"/>
+                      </a:endParaRPr>
+                    </a:p>
+                  </a:txBody>
+                  <a:tcPr marL="6350" marR="6350" marT="6350" marB="0" anchor="b"/>
+                </a:tc>
+                <a:tc>
+                  <a:txBody>
+                    <a:bodyPr/>
+                    <a:lstStyle/>
+                    <a:p>
+                      <a:pPr algn="l" fontAlgn="b"/>
+                      <a:r>
+                        <a:rPr lang="en-IN" sz="1400" u="none" strike="noStrike">
+                          <a:effectLst/>
+                        </a:rPr>
+                        <a:t>Upload File</a:t>
+                      </a:r>
+                      <a:endParaRPr lang="en-IN" sz="1400" b="0" i="0" u="none" strike="noStrike">
+                        <a:solidFill>
+                          <a:srgbClr val="000000"/>
+                        </a:solidFill>
+                        <a:effectLst/>
+                        <a:latin typeface="Calibri" panose="020F0502020204030204" pitchFamily="34" charset="0"/>
+                      </a:endParaRPr>
+                    </a:p>
+                  </a:txBody>
+                  <a:tcPr marL="6350" marR="6350" marT="6350" marB="0" anchor="b"/>
+                </a:tc>
+                <a:tc>
+                  <a:txBody>
+                    <a:bodyPr/>
+                    <a:lstStyle/>
+                    <a:p>
+                      <a:pPr algn="l" fontAlgn="b"/>
+                      <a:r>
+                        <a:rPr lang="en-IN" sz="1400" u="none" strike="noStrike">
+                          <a:effectLst/>
+                        </a:rPr>
+                        <a:t>WebApp</a:t>
+                      </a:r>
+                      <a:endParaRPr lang="en-IN" sz="1400" b="0" i="0" u="none" strike="noStrike">
+                        <a:solidFill>
+                          <a:srgbClr val="000000"/>
+                        </a:solidFill>
+                        <a:effectLst/>
+                        <a:latin typeface="Calibri" panose="020F0502020204030204" pitchFamily="34" charset="0"/>
+                      </a:endParaRPr>
+                    </a:p>
+                  </a:txBody>
+                  <a:tcPr marL="6350" marR="6350" marT="6350" marB="0" anchor="b"/>
+                </a:tc>
+                <a:tc>
+                  <a:txBody>
+                    <a:bodyPr/>
+                    <a:lstStyle/>
+                    <a:p>
+                      <a:pPr algn="l" fontAlgn="b"/>
+                      <a:r>
+                        <a:rPr lang="en-IN" sz="1400" u="none" strike="noStrike" dirty="0">
+                          <a:effectLst/>
+                        </a:rPr>
+                        <a:t>Customer Repo</a:t>
+                      </a:r>
+                      <a:endParaRPr lang="en-IN" sz="1400" b="0" i="0" u="none" strike="noStrike" dirty="0">
+                        <a:solidFill>
+                          <a:srgbClr val="000000"/>
+                        </a:solidFill>
+                        <a:effectLst/>
+                        <a:latin typeface="Calibri" panose="020F0502020204030204" pitchFamily="34" charset="0"/>
+                      </a:endParaRPr>
+                    </a:p>
+                  </a:txBody>
+                  <a:tcPr marL="6350" marR="6350" marT="6350" marB="0" anchor="b"/>
+                </a:tc>
+                <a:extLst>
+                  <a:ext uri="{0D108BD9-81ED-4DB2-BD59-A6C34878D82A}">
+                    <a16:rowId xmlns:a16="http://schemas.microsoft.com/office/drawing/2014/main" val="721477459"/>
+                  </a:ext>
+                </a:extLst>
+              </a:tr>
+              <a:tr h="283996">
+                <a:tc>
+                  <a:txBody>
+                    <a:bodyPr/>
+                    <a:lstStyle/>
+                    <a:p>
+                      <a:pPr algn="l" fontAlgn="b"/>
+                      <a:r>
+                        <a:rPr lang="en-IN" sz="1400" u="none" strike="noStrike" dirty="0">
+                          <a:effectLst/>
+                        </a:rPr>
+                        <a:t> </a:t>
+                      </a:r>
+                      <a:endParaRPr lang="en-IN" sz="1400" b="0" i="0" u="none" strike="noStrike" dirty="0">
+                        <a:solidFill>
+                          <a:srgbClr val="000000"/>
+                        </a:solidFill>
+                        <a:effectLst/>
+                        <a:latin typeface="Calibri" panose="020F0502020204030204" pitchFamily="34" charset="0"/>
+                      </a:endParaRPr>
+                    </a:p>
+                  </a:txBody>
+                  <a:tcPr marL="6350" marR="6350" marT="6350" marB="0" anchor="b"/>
+                </a:tc>
+                <a:tc>
+                  <a:txBody>
+                    <a:bodyPr/>
+                    <a:lstStyle/>
+                    <a:p>
+                      <a:pPr algn="l" fontAlgn="b"/>
+                      <a:r>
+                        <a:rPr lang="en-IN" sz="1400" u="none" strike="noStrike" dirty="0">
+                          <a:effectLst/>
+                        </a:rPr>
+                        <a:t>Pay Bulk Bills</a:t>
+                      </a:r>
+                      <a:endParaRPr lang="en-IN" sz="1400" b="0" i="0" u="none" strike="noStrike" dirty="0">
+                        <a:solidFill>
+                          <a:srgbClr val="000000"/>
+                        </a:solidFill>
+                        <a:effectLst/>
+                        <a:latin typeface="Calibri" panose="020F0502020204030204" pitchFamily="34" charset="0"/>
+                      </a:endParaRPr>
+                    </a:p>
+                  </a:txBody>
+                  <a:tcPr marL="6350" marR="6350" marT="6350" marB="0" anchor="b"/>
+                </a:tc>
+                <a:tc>
+                  <a:txBody>
+                    <a:bodyPr/>
+                    <a:lstStyle/>
+                    <a:p>
+                      <a:pPr algn="l" fontAlgn="b"/>
+                      <a:r>
+                        <a:rPr lang="en-IN" sz="1400" u="none" strike="noStrike" dirty="0">
+                          <a:effectLst/>
+                        </a:rPr>
+                        <a:t>Billing System</a:t>
+                      </a:r>
+                      <a:endParaRPr lang="en-IN" sz="1400" b="0" i="0" u="none" strike="noStrike" dirty="0">
+                        <a:solidFill>
+                          <a:srgbClr val="000000"/>
+                        </a:solidFill>
+                        <a:effectLst/>
+                        <a:latin typeface="Calibri" panose="020F0502020204030204" pitchFamily="34" charset="0"/>
+                      </a:endParaRPr>
+                    </a:p>
+                  </a:txBody>
+                  <a:tcPr marL="6350" marR="6350" marT="6350" marB="0" anchor="b"/>
+                </a:tc>
+                <a:tc>
+                  <a:txBody>
+                    <a:bodyPr/>
+                    <a:lstStyle/>
+                    <a:p>
+                      <a:pPr algn="l" fontAlgn="b"/>
+                      <a:r>
+                        <a:rPr lang="en-GB" sz="1400" u="none" strike="noStrike" dirty="0">
+                          <a:effectLst/>
+                        </a:rPr>
+                        <a:t>Batch Processor, Customer Repo, Accounting</a:t>
+                      </a:r>
+                      <a:endParaRPr lang="en-GB" sz="1400" b="0" i="0" u="none" strike="noStrike" dirty="0">
+                        <a:solidFill>
+                          <a:srgbClr val="000000"/>
+                        </a:solidFill>
+                        <a:effectLst/>
+                        <a:latin typeface="Calibri" panose="020F0502020204030204" pitchFamily="34" charset="0"/>
+                      </a:endParaRPr>
+                    </a:p>
+                  </a:txBody>
+                  <a:tcPr marL="6350" marR="6350" marT="6350" marB="0" anchor="b"/>
+                </a:tc>
+                <a:extLst>
+                  <a:ext uri="{0D108BD9-81ED-4DB2-BD59-A6C34878D82A}">
+                    <a16:rowId xmlns:a16="http://schemas.microsoft.com/office/drawing/2014/main" val="2874739942"/>
+                  </a:ext>
+                </a:extLst>
+              </a:tr>
+              <a:tr h="283996">
+                <a:tc>
+                  <a:txBody>
+                    <a:bodyPr/>
+                    <a:lstStyle/>
+                    <a:p>
+                      <a:pPr algn="l" fontAlgn="b"/>
+                      <a:r>
+                        <a:rPr lang="en-IN" sz="1400" u="none" strike="noStrike">
+                          <a:effectLst/>
+                        </a:rPr>
+                        <a:t> </a:t>
+                      </a:r>
+                      <a:endParaRPr lang="en-IN" sz="1400" b="0" i="0" u="none" strike="noStrike">
+                        <a:solidFill>
+                          <a:srgbClr val="000000"/>
+                        </a:solidFill>
+                        <a:effectLst/>
+                        <a:latin typeface="Calibri" panose="020F0502020204030204" pitchFamily="34" charset="0"/>
+                      </a:endParaRPr>
+                    </a:p>
+                  </a:txBody>
+                  <a:tcPr marL="6350" marR="6350" marT="6350" marB="0" anchor="b"/>
+                </a:tc>
+                <a:tc>
+                  <a:txBody>
+                    <a:bodyPr/>
+                    <a:lstStyle/>
+                    <a:p>
+                      <a:pPr algn="l" fontAlgn="b"/>
+                      <a:r>
+                        <a:rPr lang="en-IN" sz="1400" u="none" strike="noStrike" dirty="0">
+                          <a:effectLst/>
+                        </a:rPr>
+                        <a:t>Register SI</a:t>
+                      </a:r>
+                      <a:endParaRPr lang="en-IN" sz="1400" b="0" i="0" u="none" strike="noStrike" dirty="0">
+                        <a:solidFill>
+                          <a:srgbClr val="000000"/>
+                        </a:solidFill>
+                        <a:effectLst/>
+                        <a:latin typeface="Calibri" panose="020F0502020204030204" pitchFamily="34" charset="0"/>
+                      </a:endParaRPr>
+                    </a:p>
+                  </a:txBody>
+                  <a:tcPr marL="6350" marR="6350" marT="6350" marB="0" anchor="b"/>
+                </a:tc>
+                <a:tc>
+                  <a:txBody>
+                    <a:bodyPr/>
+                    <a:lstStyle/>
+                    <a:p>
+                      <a:pPr algn="l" fontAlgn="b"/>
+                      <a:r>
+                        <a:rPr lang="en-IN" sz="1400" u="none" strike="noStrike" dirty="0">
+                          <a:effectLst/>
+                        </a:rPr>
+                        <a:t>WebApp</a:t>
+                      </a:r>
+                      <a:endParaRPr lang="en-IN" sz="1400" b="0" i="0" u="none" strike="noStrike" dirty="0">
+                        <a:solidFill>
+                          <a:srgbClr val="000000"/>
+                        </a:solidFill>
+                        <a:effectLst/>
+                        <a:latin typeface="Calibri" panose="020F0502020204030204" pitchFamily="34" charset="0"/>
+                      </a:endParaRPr>
+                    </a:p>
+                  </a:txBody>
+                  <a:tcPr marL="6350" marR="6350" marT="6350" marB="0" anchor="b"/>
+                </a:tc>
+                <a:tc>
+                  <a:txBody>
+                    <a:bodyPr/>
+                    <a:lstStyle/>
+                    <a:p>
+                      <a:pPr algn="l" fontAlgn="b"/>
+                      <a:r>
+                        <a:rPr lang="en-IN" sz="1400" u="none" strike="noStrike" dirty="0">
+                          <a:effectLst/>
+                        </a:rPr>
+                        <a:t>Customer Repo</a:t>
+                      </a:r>
+                      <a:endParaRPr lang="en-IN" sz="1400" b="0" i="0" u="none" strike="noStrike" dirty="0">
+                        <a:solidFill>
+                          <a:srgbClr val="000000"/>
+                        </a:solidFill>
+                        <a:effectLst/>
+                        <a:latin typeface="Calibri" panose="020F0502020204030204" pitchFamily="34" charset="0"/>
+                      </a:endParaRPr>
+                    </a:p>
+                  </a:txBody>
+                  <a:tcPr marL="6350" marR="6350" marT="6350" marB="0" anchor="b"/>
+                </a:tc>
+                <a:extLst>
+                  <a:ext uri="{0D108BD9-81ED-4DB2-BD59-A6C34878D82A}">
+                    <a16:rowId xmlns:a16="http://schemas.microsoft.com/office/drawing/2014/main" val="553377312"/>
+                  </a:ext>
+                </a:extLst>
+              </a:tr>
+              <a:tr h="283996">
+                <a:tc>
+                  <a:txBody>
+                    <a:bodyPr/>
+                    <a:lstStyle/>
+                    <a:p>
+                      <a:pPr algn="l" fontAlgn="b"/>
+                      <a:r>
+                        <a:rPr lang="en-IN" sz="1400" u="none" strike="noStrike">
+                          <a:effectLst/>
+                        </a:rPr>
+                        <a:t> </a:t>
+                      </a:r>
+                      <a:endParaRPr lang="en-IN" sz="1400" b="0" i="0" u="none" strike="noStrike">
+                        <a:solidFill>
+                          <a:srgbClr val="000000"/>
+                        </a:solidFill>
+                        <a:effectLst/>
+                        <a:latin typeface="Calibri" panose="020F0502020204030204" pitchFamily="34" charset="0"/>
+                      </a:endParaRPr>
+                    </a:p>
+                  </a:txBody>
+                  <a:tcPr marL="6350" marR="6350" marT="6350" marB="0" anchor="b"/>
+                </a:tc>
+                <a:tc>
+                  <a:txBody>
+                    <a:bodyPr/>
+                    <a:lstStyle/>
+                    <a:p>
+                      <a:pPr algn="l" fontAlgn="b"/>
+                      <a:r>
+                        <a:rPr lang="en-IN" sz="1400" u="none" strike="noStrike" dirty="0">
+                          <a:effectLst/>
+                        </a:rPr>
+                        <a:t>Trigger Offline Payment</a:t>
+                      </a:r>
+                      <a:endParaRPr lang="en-IN" sz="1400" b="0" i="0" u="none" strike="noStrike" dirty="0">
+                        <a:solidFill>
+                          <a:srgbClr val="000000"/>
+                        </a:solidFill>
+                        <a:effectLst/>
+                        <a:latin typeface="Calibri" panose="020F0502020204030204" pitchFamily="34" charset="0"/>
+                      </a:endParaRPr>
+                    </a:p>
+                  </a:txBody>
+                  <a:tcPr marL="6350" marR="6350" marT="6350" marB="0" anchor="b"/>
+                </a:tc>
+                <a:tc>
+                  <a:txBody>
+                    <a:bodyPr/>
+                    <a:lstStyle/>
+                    <a:p>
+                      <a:pPr algn="l" fontAlgn="b"/>
+                      <a:r>
+                        <a:rPr lang="en-IN" sz="1400" u="none" strike="noStrike" dirty="0">
+                          <a:effectLst/>
+                        </a:rPr>
+                        <a:t>Billing System</a:t>
+                      </a:r>
+                      <a:endParaRPr lang="en-IN" sz="1400" b="0" i="0" u="none" strike="noStrike" dirty="0">
+                        <a:solidFill>
+                          <a:srgbClr val="000000"/>
+                        </a:solidFill>
+                        <a:effectLst/>
+                        <a:latin typeface="Calibri" panose="020F0502020204030204" pitchFamily="34" charset="0"/>
+                      </a:endParaRPr>
+                    </a:p>
+                  </a:txBody>
+                  <a:tcPr marL="6350" marR="6350" marT="6350" marB="0" anchor="b"/>
+                </a:tc>
+                <a:tc>
+                  <a:txBody>
+                    <a:bodyPr/>
+                    <a:lstStyle/>
+                    <a:p>
+                      <a:pPr algn="l" fontAlgn="b"/>
+                      <a:r>
+                        <a:rPr lang="en-GB" sz="1400" u="none" strike="noStrike" dirty="0">
+                          <a:effectLst/>
+                        </a:rPr>
+                        <a:t>Batch Processor, Customer Repo, Accounting</a:t>
+                      </a:r>
+                      <a:endParaRPr lang="en-GB" sz="1400" b="0" i="0" u="none" strike="noStrike" dirty="0">
+                        <a:solidFill>
+                          <a:srgbClr val="000000"/>
+                        </a:solidFill>
+                        <a:effectLst/>
+                        <a:latin typeface="Calibri" panose="020F0502020204030204" pitchFamily="34" charset="0"/>
+                      </a:endParaRPr>
+                    </a:p>
+                  </a:txBody>
+                  <a:tcPr marL="6350" marR="6350" marT="6350" marB="0" anchor="b"/>
+                </a:tc>
+                <a:extLst>
+                  <a:ext uri="{0D108BD9-81ED-4DB2-BD59-A6C34878D82A}">
+                    <a16:rowId xmlns:a16="http://schemas.microsoft.com/office/drawing/2014/main" val="3282195563"/>
+                  </a:ext>
+                </a:extLst>
+              </a:tr>
+              <a:tr h="283996">
+                <a:tc>
+                  <a:txBody>
+                    <a:bodyPr/>
+                    <a:lstStyle/>
+                    <a:p>
+                      <a:pPr algn="l" fontAlgn="b"/>
+                      <a:r>
+                        <a:rPr lang="en-IN" sz="1400" u="none" strike="noStrike">
+                          <a:effectLst/>
+                        </a:rPr>
+                        <a:t> </a:t>
+                      </a:r>
+                      <a:endParaRPr lang="en-IN" sz="1400" b="0" i="0" u="none" strike="noStrike">
+                        <a:solidFill>
+                          <a:srgbClr val="000000"/>
+                        </a:solidFill>
+                        <a:effectLst/>
+                        <a:latin typeface="Calibri" panose="020F0502020204030204" pitchFamily="34" charset="0"/>
+                      </a:endParaRPr>
+                    </a:p>
+                  </a:txBody>
+                  <a:tcPr marL="6350" marR="6350" marT="6350" marB="0" anchor="b"/>
+                </a:tc>
+                <a:tc>
+                  <a:txBody>
+                    <a:bodyPr/>
+                    <a:lstStyle/>
+                    <a:p>
+                      <a:pPr algn="l" fontAlgn="b"/>
+                      <a:r>
+                        <a:rPr lang="en-IN" sz="1400" u="none" strike="noStrike" dirty="0">
+                          <a:effectLst/>
+                        </a:rPr>
+                        <a:t>Log Transactions</a:t>
+                      </a:r>
+                      <a:endParaRPr lang="en-IN" sz="1400" b="0" i="0" u="none" strike="noStrike" dirty="0">
+                        <a:solidFill>
+                          <a:srgbClr val="000000"/>
+                        </a:solidFill>
+                        <a:effectLst/>
+                        <a:latin typeface="Calibri" panose="020F0502020204030204" pitchFamily="34" charset="0"/>
+                      </a:endParaRPr>
+                    </a:p>
+                  </a:txBody>
+                  <a:tcPr marL="6350" marR="6350" marT="6350" marB="0" anchor="b"/>
+                </a:tc>
+                <a:tc>
+                  <a:txBody>
+                    <a:bodyPr/>
+                    <a:lstStyle/>
+                    <a:p>
+                      <a:pPr algn="l" fontAlgn="b"/>
+                      <a:r>
+                        <a:rPr lang="en-IN" sz="1400" u="none" strike="noStrike">
+                          <a:effectLst/>
+                        </a:rPr>
+                        <a:t>Billing System</a:t>
+                      </a:r>
+                      <a:endParaRPr lang="en-IN" sz="1400" b="0" i="0" u="none" strike="noStrike">
+                        <a:solidFill>
+                          <a:srgbClr val="000000"/>
+                        </a:solidFill>
+                        <a:effectLst/>
+                        <a:latin typeface="Calibri" panose="020F0502020204030204" pitchFamily="34" charset="0"/>
+                      </a:endParaRPr>
+                    </a:p>
+                  </a:txBody>
+                  <a:tcPr marL="6350" marR="6350" marT="6350" marB="0" anchor="b"/>
+                </a:tc>
+                <a:tc>
+                  <a:txBody>
+                    <a:bodyPr/>
+                    <a:lstStyle/>
+                    <a:p>
+                      <a:pPr algn="l" fontAlgn="b"/>
+                      <a:r>
+                        <a:rPr lang="en-IN" sz="1400" u="none" strike="noStrike" dirty="0">
+                          <a:effectLst/>
+                        </a:rPr>
+                        <a:t>Customer Repo</a:t>
+                      </a:r>
+                      <a:endParaRPr lang="en-IN" sz="1400" b="0" i="0" u="none" strike="noStrike" dirty="0">
+                        <a:solidFill>
+                          <a:srgbClr val="000000"/>
+                        </a:solidFill>
+                        <a:effectLst/>
+                        <a:latin typeface="Calibri" panose="020F0502020204030204" pitchFamily="34" charset="0"/>
+                      </a:endParaRPr>
+                    </a:p>
+                  </a:txBody>
+                  <a:tcPr marL="6350" marR="6350" marT="6350" marB="0" anchor="b"/>
+                </a:tc>
+                <a:extLst>
+                  <a:ext uri="{0D108BD9-81ED-4DB2-BD59-A6C34878D82A}">
+                    <a16:rowId xmlns:a16="http://schemas.microsoft.com/office/drawing/2014/main" val="1424310253"/>
+                  </a:ext>
+                </a:extLst>
+              </a:tr>
+              <a:tr h="283996">
+                <a:tc>
+                  <a:txBody>
+                    <a:bodyPr/>
+                    <a:lstStyle/>
+                    <a:p>
+                      <a:pPr algn="l" fontAlgn="b"/>
+                      <a:r>
+                        <a:rPr lang="en-IN" sz="1400" u="none" strike="noStrike" dirty="0">
+                          <a:effectLst/>
+                        </a:rPr>
+                        <a:t> </a:t>
+                      </a:r>
+                      <a:endParaRPr lang="en-IN" sz="1400" b="0" i="0" u="none" strike="noStrike" dirty="0">
+                        <a:solidFill>
+                          <a:srgbClr val="000000"/>
+                        </a:solidFill>
+                        <a:effectLst/>
+                        <a:latin typeface="Calibri" panose="020F0502020204030204" pitchFamily="34" charset="0"/>
+                      </a:endParaRPr>
+                    </a:p>
+                  </a:txBody>
+                  <a:tcPr marL="6350" marR="6350" marT="6350" marB="0" anchor="b"/>
+                </a:tc>
+                <a:tc>
+                  <a:txBody>
+                    <a:bodyPr/>
+                    <a:lstStyle/>
+                    <a:p>
+                      <a:pPr algn="l" fontAlgn="b"/>
+                      <a:r>
+                        <a:rPr lang="en-IN" sz="1400" u="none" strike="noStrike" dirty="0">
+                          <a:effectLst/>
+                        </a:rPr>
+                        <a:t> </a:t>
+                      </a:r>
+                      <a:endParaRPr lang="en-IN" sz="1400" b="0" i="0" u="none" strike="noStrike" dirty="0">
+                        <a:solidFill>
+                          <a:srgbClr val="000000"/>
+                        </a:solidFill>
+                        <a:effectLst/>
+                        <a:latin typeface="Calibri" panose="020F0502020204030204" pitchFamily="34" charset="0"/>
+                      </a:endParaRPr>
+                    </a:p>
+                  </a:txBody>
+                  <a:tcPr marL="6350" marR="6350" marT="6350" marB="0" anchor="b"/>
+                </a:tc>
+                <a:tc>
+                  <a:txBody>
+                    <a:bodyPr/>
+                    <a:lstStyle/>
+                    <a:p>
+                      <a:pPr algn="l" fontAlgn="b"/>
+                      <a:r>
+                        <a:rPr lang="en-IN" sz="1400" u="none" strike="noStrike">
+                          <a:effectLst/>
+                        </a:rPr>
+                        <a:t> </a:t>
+                      </a:r>
+                      <a:endParaRPr lang="en-IN" sz="1400" b="0" i="0" u="none" strike="noStrike">
+                        <a:solidFill>
+                          <a:srgbClr val="000000"/>
+                        </a:solidFill>
+                        <a:effectLst/>
+                        <a:latin typeface="Calibri" panose="020F0502020204030204" pitchFamily="34" charset="0"/>
+                      </a:endParaRPr>
+                    </a:p>
+                  </a:txBody>
+                  <a:tcPr marL="6350" marR="6350" marT="6350" marB="0" anchor="b"/>
+                </a:tc>
+                <a:tc>
+                  <a:txBody>
+                    <a:bodyPr/>
+                    <a:lstStyle/>
+                    <a:p>
+                      <a:pPr algn="l" fontAlgn="b"/>
+                      <a:r>
+                        <a:rPr lang="en-IN" sz="1400" u="none" strike="noStrike" dirty="0">
+                          <a:effectLst/>
+                        </a:rPr>
+                        <a:t> </a:t>
+                      </a:r>
+                      <a:endParaRPr lang="en-IN" sz="1400" b="0" i="0" u="none" strike="noStrike" dirty="0">
+                        <a:solidFill>
+                          <a:srgbClr val="000000"/>
+                        </a:solidFill>
+                        <a:effectLst/>
+                        <a:latin typeface="Calibri" panose="020F0502020204030204" pitchFamily="34" charset="0"/>
+                      </a:endParaRPr>
+                    </a:p>
+                  </a:txBody>
+                  <a:tcPr marL="6350" marR="6350" marT="6350" marB="0" anchor="b"/>
+                </a:tc>
+                <a:extLst>
+                  <a:ext uri="{0D108BD9-81ED-4DB2-BD59-A6C34878D82A}">
+                    <a16:rowId xmlns:a16="http://schemas.microsoft.com/office/drawing/2014/main" val="2163372804"/>
+                  </a:ext>
+                </a:extLst>
+              </a:tr>
+              <a:tr h="283996">
+                <a:tc>
+                  <a:txBody>
+                    <a:bodyPr/>
+                    <a:lstStyle/>
+                    <a:p>
+                      <a:pPr algn="l" fontAlgn="b"/>
+                      <a:r>
+                        <a:rPr lang="en-IN" sz="1400" b="1" u="none" strike="noStrike" dirty="0">
+                          <a:effectLst/>
+                        </a:rPr>
+                        <a:t>Batch Processor</a:t>
+                      </a:r>
+                      <a:endParaRPr lang="en-IN" sz="1400" b="1" i="0" u="none" strike="noStrike" dirty="0">
+                        <a:solidFill>
+                          <a:srgbClr val="000000"/>
+                        </a:solidFill>
+                        <a:effectLst/>
+                        <a:latin typeface="Calibri" panose="020F0502020204030204" pitchFamily="34" charset="0"/>
+                      </a:endParaRPr>
+                    </a:p>
+                  </a:txBody>
+                  <a:tcPr marL="6350" marR="6350" marT="6350" marB="0" anchor="b"/>
+                </a:tc>
+                <a:tc>
+                  <a:txBody>
+                    <a:bodyPr/>
+                    <a:lstStyle/>
+                    <a:p>
+                      <a:pPr algn="l" fontAlgn="b"/>
+                      <a:r>
+                        <a:rPr lang="en-IN" sz="1400" u="none" strike="noStrike" dirty="0">
+                          <a:effectLst/>
+                        </a:rPr>
+                        <a:t>Pay Bulk Bills</a:t>
+                      </a:r>
+                      <a:endParaRPr lang="en-IN" sz="1400" b="0" i="0" u="none" strike="noStrike" dirty="0">
+                        <a:solidFill>
+                          <a:srgbClr val="000000"/>
+                        </a:solidFill>
+                        <a:effectLst/>
+                        <a:latin typeface="Calibri" panose="020F0502020204030204" pitchFamily="34" charset="0"/>
+                      </a:endParaRPr>
+                    </a:p>
+                  </a:txBody>
+                  <a:tcPr marL="6350" marR="6350" marT="6350" marB="0" anchor="b"/>
+                </a:tc>
+                <a:tc>
+                  <a:txBody>
+                    <a:bodyPr/>
+                    <a:lstStyle/>
+                    <a:p>
+                      <a:pPr algn="l" fontAlgn="b"/>
+                      <a:r>
+                        <a:rPr lang="en-IN" sz="1400" u="none" strike="noStrike">
+                          <a:effectLst/>
+                        </a:rPr>
+                        <a:t>Billing System</a:t>
+                      </a:r>
+                      <a:endParaRPr lang="en-IN" sz="1400" b="0" i="0" u="none" strike="noStrike">
+                        <a:solidFill>
+                          <a:srgbClr val="000000"/>
+                        </a:solidFill>
+                        <a:effectLst/>
+                        <a:latin typeface="Calibri" panose="020F0502020204030204" pitchFamily="34" charset="0"/>
+                      </a:endParaRPr>
+                    </a:p>
+                  </a:txBody>
+                  <a:tcPr marL="6350" marR="6350" marT="6350" marB="0" anchor="b"/>
+                </a:tc>
+                <a:tc>
+                  <a:txBody>
+                    <a:bodyPr/>
+                    <a:lstStyle/>
+                    <a:p>
+                      <a:pPr algn="l" fontAlgn="b"/>
+                      <a:r>
+                        <a:rPr lang="en-IN" sz="1400" u="none" strike="noStrike" dirty="0">
+                          <a:effectLst/>
+                        </a:rPr>
+                        <a:t>Payment Gateway, Accounting</a:t>
+                      </a:r>
+                      <a:endParaRPr lang="en-IN" sz="1400" b="0" i="0" u="none" strike="noStrike" dirty="0">
+                        <a:solidFill>
+                          <a:srgbClr val="000000"/>
+                        </a:solidFill>
+                        <a:effectLst/>
+                        <a:latin typeface="Calibri" panose="020F0502020204030204" pitchFamily="34" charset="0"/>
+                      </a:endParaRPr>
+                    </a:p>
+                  </a:txBody>
+                  <a:tcPr marL="6350" marR="6350" marT="6350" marB="0" anchor="b"/>
+                </a:tc>
+                <a:extLst>
+                  <a:ext uri="{0D108BD9-81ED-4DB2-BD59-A6C34878D82A}">
+                    <a16:rowId xmlns:a16="http://schemas.microsoft.com/office/drawing/2014/main" val="2183461425"/>
+                  </a:ext>
+                </a:extLst>
+              </a:tr>
+              <a:tr h="283996">
+                <a:tc>
+                  <a:txBody>
+                    <a:bodyPr/>
+                    <a:lstStyle/>
+                    <a:p>
+                      <a:pPr algn="l" fontAlgn="b"/>
+                      <a:r>
+                        <a:rPr lang="en-IN" sz="1400" u="none" strike="noStrike">
+                          <a:effectLst/>
+                        </a:rPr>
+                        <a:t> </a:t>
+                      </a:r>
+                      <a:endParaRPr lang="en-IN" sz="1400" b="0" i="0" u="none" strike="noStrike">
+                        <a:solidFill>
+                          <a:srgbClr val="000000"/>
+                        </a:solidFill>
+                        <a:effectLst/>
+                        <a:latin typeface="Calibri" panose="020F0502020204030204" pitchFamily="34" charset="0"/>
+                      </a:endParaRPr>
+                    </a:p>
+                  </a:txBody>
+                  <a:tcPr marL="6350" marR="6350" marT="6350" marB="0" anchor="b"/>
+                </a:tc>
+                <a:tc>
+                  <a:txBody>
+                    <a:bodyPr/>
+                    <a:lstStyle/>
+                    <a:p>
+                      <a:pPr algn="l" fontAlgn="b"/>
+                      <a:r>
+                        <a:rPr lang="en-IN" sz="1400" u="none" strike="noStrike" dirty="0">
+                          <a:effectLst/>
+                        </a:rPr>
+                        <a:t>Update Wallet</a:t>
+                      </a:r>
+                      <a:endParaRPr lang="en-IN" sz="1400" b="0" i="0" u="none" strike="noStrike" dirty="0">
+                        <a:solidFill>
+                          <a:srgbClr val="000000"/>
+                        </a:solidFill>
+                        <a:effectLst/>
+                        <a:latin typeface="Calibri" panose="020F0502020204030204" pitchFamily="34" charset="0"/>
+                      </a:endParaRPr>
+                    </a:p>
+                  </a:txBody>
+                  <a:tcPr marL="6350" marR="6350" marT="6350" marB="0" anchor="b"/>
+                </a:tc>
+                <a:tc>
+                  <a:txBody>
+                    <a:bodyPr/>
+                    <a:lstStyle/>
+                    <a:p>
+                      <a:pPr algn="l" fontAlgn="b"/>
+                      <a:r>
+                        <a:rPr lang="en-IN" sz="1400" u="none" strike="noStrike">
+                          <a:effectLst/>
+                        </a:rPr>
+                        <a:t> </a:t>
+                      </a:r>
+                      <a:endParaRPr lang="en-IN" sz="1400" b="0" i="0" u="none" strike="noStrike">
+                        <a:solidFill>
+                          <a:srgbClr val="000000"/>
+                        </a:solidFill>
+                        <a:effectLst/>
+                        <a:latin typeface="Calibri" panose="020F0502020204030204" pitchFamily="34" charset="0"/>
+                      </a:endParaRPr>
+                    </a:p>
+                  </a:txBody>
+                  <a:tcPr marL="6350" marR="6350" marT="6350" marB="0" anchor="b"/>
+                </a:tc>
+                <a:tc>
+                  <a:txBody>
+                    <a:bodyPr/>
+                    <a:lstStyle/>
+                    <a:p>
+                      <a:pPr algn="l" fontAlgn="b"/>
+                      <a:r>
+                        <a:rPr lang="en-IN" sz="1400" u="none" strike="noStrike" dirty="0">
+                          <a:effectLst/>
+                        </a:rPr>
+                        <a:t>Customer Repo, Accounting</a:t>
+                      </a:r>
+                      <a:endParaRPr lang="en-IN" sz="1400" b="0" i="0" u="none" strike="noStrike" dirty="0">
+                        <a:solidFill>
+                          <a:srgbClr val="000000"/>
+                        </a:solidFill>
+                        <a:effectLst/>
+                        <a:latin typeface="Calibri" panose="020F0502020204030204" pitchFamily="34" charset="0"/>
+                      </a:endParaRPr>
+                    </a:p>
+                  </a:txBody>
+                  <a:tcPr marL="6350" marR="6350" marT="6350" marB="0" anchor="b"/>
+                </a:tc>
+                <a:extLst>
+                  <a:ext uri="{0D108BD9-81ED-4DB2-BD59-A6C34878D82A}">
+                    <a16:rowId xmlns:a16="http://schemas.microsoft.com/office/drawing/2014/main" val="2546597514"/>
+                  </a:ext>
+                </a:extLst>
+              </a:tr>
+              <a:tr h="283996">
+                <a:tc>
+                  <a:txBody>
+                    <a:bodyPr/>
+                    <a:lstStyle/>
+                    <a:p>
+                      <a:pPr algn="l" fontAlgn="b"/>
+                      <a:r>
+                        <a:rPr lang="en-IN" sz="1400" u="none" strike="noStrike">
+                          <a:effectLst/>
+                        </a:rPr>
+                        <a:t> </a:t>
+                      </a:r>
+                      <a:endParaRPr lang="en-IN" sz="1400" b="0" i="0" u="none" strike="noStrike">
+                        <a:solidFill>
+                          <a:srgbClr val="000000"/>
+                        </a:solidFill>
+                        <a:effectLst/>
+                        <a:latin typeface="Calibri" panose="020F0502020204030204" pitchFamily="34" charset="0"/>
+                      </a:endParaRPr>
+                    </a:p>
+                  </a:txBody>
+                  <a:tcPr marL="6350" marR="6350" marT="6350" marB="0" anchor="b"/>
+                </a:tc>
+                <a:tc>
+                  <a:txBody>
+                    <a:bodyPr/>
+                    <a:lstStyle/>
+                    <a:p>
+                      <a:pPr algn="l" fontAlgn="b"/>
+                      <a:r>
+                        <a:rPr lang="en-IN" sz="1400" u="none" strike="noStrike" dirty="0">
+                          <a:effectLst/>
+                        </a:rPr>
+                        <a:t>Log Transactions</a:t>
+                      </a:r>
+                      <a:endParaRPr lang="en-IN" sz="1400" b="0" i="0" u="none" strike="noStrike" dirty="0">
+                        <a:solidFill>
+                          <a:srgbClr val="000000"/>
+                        </a:solidFill>
+                        <a:effectLst/>
+                        <a:latin typeface="Calibri" panose="020F0502020204030204" pitchFamily="34" charset="0"/>
+                      </a:endParaRPr>
+                    </a:p>
+                  </a:txBody>
+                  <a:tcPr marL="6350" marR="6350" marT="6350" marB="0" anchor="b"/>
+                </a:tc>
+                <a:tc>
+                  <a:txBody>
+                    <a:bodyPr/>
+                    <a:lstStyle/>
+                    <a:p>
+                      <a:pPr algn="l" fontAlgn="b"/>
+                      <a:r>
+                        <a:rPr lang="en-IN" sz="1400" u="none" strike="noStrike" dirty="0">
+                          <a:effectLst/>
+                        </a:rPr>
+                        <a:t>Batch Processor</a:t>
+                      </a:r>
+                      <a:endParaRPr lang="en-IN" sz="1400" b="0" i="0" u="none" strike="noStrike" dirty="0">
+                        <a:solidFill>
+                          <a:srgbClr val="000000"/>
+                        </a:solidFill>
+                        <a:effectLst/>
+                        <a:latin typeface="Calibri" panose="020F0502020204030204" pitchFamily="34" charset="0"/>
+                      </a:endParaRPr>
+                    </a:p>
+                  </a:txBody>
+                  <a:tcPr marL="6350" marR="6350" marT="6350" marB="0" anchor="b"/>
+                </a:tc>
+                <a:tc>
+                  <a:txBody>
+                    <a:bodyPr/>
+                    <a:lstStyle/>
+                    <a:p>
+                      <a:pPr algn="l" fontAlgn="b"/>
+                      <a:r>
+                        <a:rPr lang="en-IN" sz="1400" u="none" strike="noStrike" dirty="0">
+                          <a:effectLst/>
+                        </a:rPr>
+                        <a:t>Customer Repo</a:t>
+                      </a:r>
+                      <a:endParaRPr lang="en-IN" sz="1400" b="0" i="0" u="none" strike="noStrike" dirty="0">
+                        <a:solidFill>
+                          <a:srgbClr val="000000"/>
+                        </a:solidFill>
+                        <a:effectLst/>
+                        <a:latin typeface="Calibri" panose="020F0502020204030204" pitchFamily="34" charset="0"/>
+                      </a:endParaRPr>
+                    </a:p>
+                  </a:txBody>
+                  <a:tcPr marL="6350" marR="6350" marT="6350" marB="0" anchor="b"/>
+                </a:tc>
+                <a:extLst>
+                  <a:ext uri="{0D108BD9-81ED-4DB2-BD59-A6C34878D82A}">
+                    <a16:rowId xmlns:a16="http://schemas.microsoft.com/office/drawing/2014/main" val="1977130038"/>
+                  </a:ext>
+                </a:extLst>
+              </a:tr>
+              <a:tr h="283996">
+                <a:tc>
+                  <a:txBody>
+                    <a:bodyPr/>
+                    <a:lstStyle/>
+                    <a:p>
+                      <a:pPr algn="l" fontAlgn="b"/>
+                      <a:r>
+                        <a:rPr lang="en-IN" sz="1400" u="none" strike="noStrike">
+                          <a:effectLst/>
+                        </a:rPr>
+                        <a:t> </a:t>
+                      </a:r>
+                      <a:endParaRPr lang="en-IN" sz="1400" b="0" i="0" u="none" strike="noStrike">
+                        <a:solidFill>
+                          <a:srgbClr val="000000"/>
+                        </a:solidFill>
+                        <a:effectLst/>
+                        <a:latin typeface="Calibri" panose="020F0502020204030204" pitchFamily="34" charset="0"/>
+                      </a:endParaRPr>
+                    </a:p>
+                  </a:txBody>
+                  <a:tcPr marL="6350" marR="6350" marT="6350" marB="0" anchor="b"/>
+                </a:tc>
+                <a:tc>
+                  <a:txBody>
+                    <a:bodyPr/>
+                    <a:lstStyle/>
+                    <a:p>
+                      <a:pPr algn="l" fontAlgn="b"/>
+                      <a:r>
+                        <a:rPr lang="en-IN" sz="1400" u="none" strike="noStrike">
+                          <a:effectLst/>
+                        </a:rPr>
+                        <a:t> </a:t>
+                      </a:r>
+                      <a:endParaRPr lang="en-IN" sz="1400" b="0" i="0" u="none" strike="noStrike">
+                        <a:solidFill>
+                          <a:srgbClr val="000000"/>
+                        </a:solidFill>
+                        <a:effectLst/>
+                        <a:latin typeface="Calibri" panose="020F0502020204030204" pitchFamily="34" charset="0"/>
+                      </a:endParaRPr>
+                    </a:p>
+                  </a:txBody>
+                  <a:tcPr marL="6350" marR="6350" marT="6350" marB="0" anchor="b"/>
+                </a:tc>
+                <a:tc>
+                  <a:txBody>
+                    <a:bodyPr/>
+                    <a:lstStyle/>
+                    <a:p>
+                      <a:pPr algn="l" fontAlgn="b"/>
+                      <a:r>
+                        <a:rPr lang="en-IN" sz="1400" u="none" strike="noStrike" dirty="0">
+                          <a:effectLst/>
+                        </a:rPr>
+                        <a:t> </a:t>
+                      </a:r>
+                      <a:endParaRPr lang="en-IN" sz="1400" b="0" i="0" u="none" strike="noStrike" dirty="0">
+                        <a:solidFill>
+                          <a:srgbClr val="000000"/>
+                        </a:solidFill>
+                        <a:effectLst/>
+                        <a:latin typeface="Calibri" panose="020F0502020204030204" pitchFamily="34" charset="0"/>
+                      </a:endParaRPr>
+                    </a:p>
+                  </a:txBody>
+                  <a:tcPr marL="6350" marR="6350" marT="6350" marB="0" anchor="b"/>
+                </a:tc>
+                <a:tc>
+                  <a:txBody>
+                    <a:bodyPr/>
+                    <a:lstStyle/>
+                    <a:p>
+                      <a:pPr algn="l" fontAlgn="b"/>
+                      <a:r>
+                        <a:rPr lang="en-IN" sz="1400" u="none" strike="noStrike" dirty="0">
+                          <a:effectLst/>
+                        </a:rPr>
+                        <a:t> </a:t>
+                      </a:r>
+                      <a:endParaRPr lang="en-IN" sz="1400" b="0" i="0" u="none" strike="noStrike" dirty="0">
+                        <a:solidFill>
+                          <a:srgbClr val="000000"/>
+                        </a:solidFill>
+                        <a:effectLst/>
+                        <a:latin typeface="Calibri" panose="020F0502020204030204" pitchFamily="34" charset="0"/>
+                      </a:endParaRPr>
+                    </a:p>
+                  </a:txBody>
+                  <a:tcPr marL="6350" marR="6350" marT="6350" marB="0" anchor="b"/>
+                </a:tc>
+                <a:extLst>
+                  <a:ext uri="{0D108BD9-81ED-4DB2-BD59-A6C34878D82A}">
+                    <a16:rowId xmlns:a16="http://schemas.microsoft.com/office/drawing/2014/main" val="1303443871"/>
+                  </a:ext>
+                </a:extLst>
+              </a:tr>
+              <a:tr h="283996">
+                <a:tc>
+                  <a:txBody>
+                    <a:bodyPr/>
+                    <a:lstStyle/>
+                    <a:p>
+                      <a:pPr algn="l" fontAlgn="b"/>
+                      <a:r>
+                        <a:rPr lang="en-IN" sz="1400" b="1" u="none" strike="noStrike" dirty="0">
+                          <a:effectLst/>
+                        </a:rPr>
+                        <a:t>Accounting</a:t>
+                      </a:r>
+                      <a:endParaRPr lang="en-IN" sz="1400" b="1" i="0" u="none" strike="noStrike" dirty="0">
+                        <a:solidFill>
+                          <a:srgbClr val="000000"/>
+                        </a:solidFill>
+                        <a:effectLst/>
+                        <a:latin typeface="Calibri" panose="020F0502020204030204" pitchFamily="34" charset="0"/>
+                      </a:endParaRPr>
+                    </a:p>
+                  </a:txBody>
+                  <a:tcPr marL="6350" marR="6350" marT="6350" marB="0" anchor="b"/>
+                </a:tc>
+                <a:tc>
+                  <a:txBody>
+                    <a:bodyPr/>
+                    <a:lstStyle/>
+                    <a:p>
+                      <a:pPr algn="l" fontAlgn="b"/>
+                      <a:r>
+                        <a:rPr lang="en-IN" sz="1400" u="none" strike="noStrike">
+                          <a:effectLst/>
+                        </a:rPr>
+                        <a:t>Update Wallet</a:t>
+                      </a:r>
+                      <a:endParaRPr lang="en-IN" sz="1400" b="0" i="0" u="none" strike="noStrike">
+                        <a:solidFill>
+                          <a:srgbClr val="000000"/>
+                        </a:solidFill>
+                        <a:effectLst/>
+                        <a:latin typeface="Calibri" panose="020F0502020204030204" pitchFamily="34" charset="0"/>
+                      </a:endParaRPr>
+                    </a:p>
+                  </a:txBody>
+                  <a:tcPr marL="6350" marR="6350" marT="6350" marB="0" anchor="b"/>
+                </a:tc>
+                <a:tc>
+                  <a:txBody>
+                    <a:bodyPr/>
+                    <a:lstStyle/>
+                    <a:p>
+                      <a:pPr algn="l" fontAlgn="b"/>
+                      <a:r>
+                        <a:rPr lang="en-IN" sz="1400" u="none" strike="noStrike">
+                          <a:effectLst/>
+                        </a:rPr>
+                        <a:t> </a:t>
+                      </a:r>
+                      <a:endParaRPr lang="en-IN" sz="1400" b="0" i="0" u="none" strike="noStrike">
+                        <a:solidFill>
+                          <a:srgbClr val="000000"/>
+                        </a:solidFill>
+                        <a:effectLst/>
+                        <a:latin typeface="Calibri" panose="020F0502020204030204" pitchFamily="34" charset="0"/>
+                      </a:endParaRPr>
+                    </a:p>
+                  </a:txBody>
+                  <a:tcPr marL="6350" marR="6350" marT="6350" marB="0" anchor="b"/>
+                </a:tc>
+                <a:tc>
+                  <a:txBody>
+                    <a:bodyPr/>
+                    <a:lstStyle/>
+                    <a:p>
+                      <a:pPr algn="l" fontAlgn="b"/>
+                      <a:r>
+                        <a:rPr lang="en-IN" sz="1400" u="none" strike="noStrike" dirty="0">
+                          <a:effectLst/>
+                        </a:rPr>
+                        <a:t>Billing System, Batch processor</a:t>
+                      </a:r>
+                      <a:endParaRPr lang="en-IN" sz="1400" b="0" i="0" u="none" strike="noStrike" dirty="0">
+                        <a:solidFill>
+                          <a:srgbClr val="000000"/>
+                        </a:solidFill>
+                        <a:effectLst/>
+                        <a:latin typeface="Calibri" panose="020F0502020204030204" pitchFamily="34" charset="0"/>
+                      </a:endParaRPr>
+                    </a:p>
+                  </a:txBody>
+                  <a:tcPr marL="6350" marR="6350" marT="6350" marB="0" anchor="b"/>
+                </a:tc>
+                <a:extLst>
+                  <a:ext uri="{0D108BD9-81ED-4DB2-BD59-A6C34878D82A}">
+                    <a16:rowId xmlns:a16="http://schemas.microsoft.com/office/drawing/2014/main" val="3543028939"/>
+                  </a:ext>
+                </a:extLst>
+              </a:tr>
+              <a:tr h="283996">
+                <a:tc>
+                  <a:txBody>
+                    <a:bodyPr/>
+                    <a:lstStyle/>
+                    <a:p>
+                      <a:pPr algn="l" fontAlgn="b"/>
+                      <a:r>
+                        <a:rPr lang="en-IN" sz="1400" u="none" strike="noStrike" dirty="0">
+                          <a:effectLst/>
+                        </a:rPr>
+                        <a:t> </a:t>
+                      </a:r>
+                      <a:endParaRPr lang="en-IN" sz="1400" b="0" i="0" u="none" strike="noStrike" dirty="0">
+                        <a:solidFill>
+                          <a:srgbClr val="000000"/>
+                        </a:solidFill>
+                        <a:effectLst/>
+                        <a:latin typeface="Calibri" panose="020F0502020204030204" pitchFamily="34" charset="0"/>
+                      </a:endParaRPr>
+                    </a:p>
+                  </a:txBody>
+                  <a:tcPr marL="6350" marR="6350" marT="6350" marB="0" anchor="b"/>
+                </a:tc>
+                <a:tc>
+                  <a:txBody>
+                    <a:bodyPr/>
+                    <a:lstStyle/>
+                    <a:p>
+                      <a:pPr algn="l" fontAlgn="b"/>
+                      <a:r>
+                        <a:rPr lang="en-IN" sz="1400" u="none" strike="noStrike" dirty="0">
+                          <a:effectLst/>
+                        </a:rPr>
+                        <a:t>Update Biller Account</a:t>
+                      </a:r>
+                      <a:endParaRPr lang="en-IN" sz="1400" b="0" i="0" u="none" strike="noStrike" dirty="0">
+                        <a:solidFill>
+                          <a:srgbClr val="000000"/>
+                        </a:solidFill>
+                        <a:effectLst/>
+                        <a:latin typeface="Calibri" panose="020F0502020204030204" pitchFamily="34" charset="0"/>
+                      </a:endParaRPr>
+                    </a:p>
+                  </a:txBody>
+                  <a:tcPr marL="6350" marR="6350" marT="6350" marB="0" anchor="b"/>
+                </a:tc>
+                <a:tc>
+                  <a:txBody>
+                    <a:bodyPr/>
+                    <a:lstStyle/>
+                    <a:p>
+                      <a:pPr algn="l" fontAlgn="b"/>
+                      <a:r>
+                        <a:rPr lang="en-IN" sz="1400" u="none" strike="noStrike">
+                          <a:effectLst/>
+                        </a:rPr>
+                        <a:t> </a:t>
+                      </a:r>
+                      <a:endParaRPr lang="en-IN" sz="1400" b="0" i="0" u="none" strike="noStrike">
+                        <a:solidFill>
+                          <a:srgbClr val="000000"/>
+                        </a:solidFill>
+                        <a:effectLst/>
+                        <a:latin typeface="Calibri" panose="020F0502020204030204" pitchFamily="34" charset="0"/>
+                      </a:endParaRPr>
+                    </a:p>
+                  </a:txBody>
+                  <a:tcPr marL="6350" marR="6350" marT="6350" marB="0" anchor="b"/>
+                </a:tc>
+                <a:tc>
+                  <a:txBody>
+                    <a:bodyPr/>
+                    <a:lstStyle/>
+                    <a:p>
+                      <a:pPr algn="l" fontAlgn="b"/>
+                      <a:r>
+                        <a:rPr lang="en-IN" sz="1400" u="none" strike="noStrike" dirty="0">
+                          <a:effectLst/>
+                        </a:rPr>
+                        <a:t>Billing System, Batch processor</a:t>
+                      </a:r>
+                      <a:endParaRPr lang="en-IN" sz="1400" b="0" i="0" u="none" strike="noStrike" dirty="0">
+                        <a:solidFill>
+                          <a:srgbClr val="000000"/>
+                        </a:solidFill>
+                        <a:effectLst/>
+                        <a:latin typeface="Calibri" panose="020F0502020204030204" pitchFamily="34" charset="0"/>
+                      </a:endParaRPr>
+                    </a:p>
+                  </a:txBody>
+                  <a:tcPr marL="6350" marR="6350" marT="6350" marB="0" anchor="b"/>
+                </a:tc>
+                <a:extLst>
+                  <a:ext uri="{0D108BD9-81ED-4DB2-BD59-A6C34878D82A}">
+                    <a16:rowId xmlns:a16="http://schemas.microsoft.com/office/drawing/2014/main" val="3231465339"/>
+                  </a:ext>
+                </a:extLst>
+              </a:tr>
+              <a:tr h="283996">
+                <a:tc>
+                  <a:txBody>
+                    <a:bodyPr/>
+                    <a:lstStyle/>
+                    <a:p>
+                      <a:pPr algn="l" fontAlgn="b"/>
+                      <a:r>
+                        <a:rPr lang="en-IN" sz="1400" u="none" strike="noStrike">
+                          <a:effectLst/>
+                        </a:rPr>
+                        <a:t> </a:t>
+                      </a:r>
+                      <a:endParaRPr lang="en-IN" sz="1400" b="0" i="0" u="none" strike="noStrike">
+                        <a:solidFill>
+                          <a:srgbClr val="000000"/>
+                        </a:solidFill>
+                        <a:effectLst/>
+                        <a:latin typeface="Calibri" panose="020F0502020204030204" pitchFamily="34" charset="0"/>
+                      </a:endParaRPr>
+                    </a:p>
+                  </a:txBody>
+                  <a:tcPr marL="6350" marR="6350" marT="6350" marB="0" anchor="b"/>
+                </a:tc>
+                <a:tc>
+                  <a:txBody>
+                    <a:bodyPr/>
+                    <a:lstStyle/>
+                    <a:p>
+                      <a:pPr algn="l" fontAlgn="b"/>
+                      <a:r>
+                        <a:rPr lang="en-IN" sz="1400" u="none" strike="noStrike" dirty="0">
+                          <a:effectLst/>
+                        </a:rPr>
+                        <a:t>Manage Transaction Log</a:t>
+                      </a:r>
+                      <a:endParaRPr lang="en-IN" sz="1400" b="0" i="0" u="none" strike="noStrike" dirty="0">
+                        <a:solidFill>
+                          <a:srgbClr val="000000"/>
+                        </a:solidFill>
+                        <a:effectLst/>
+                        <a:latin typeface="Calibri" panose="020F0502020204030204" pitchFamily="34" charset="0"/>
+                      </a:endParaRPr>
+                    </a:p>
+                  </a:txBody>
+                  <a:tcPr marL="6350" marR="6350" marT="6350" marB="0" anchor="b"/>
+                </a:tc>
+                <a:tc>
+                  <a:txBody>
+                    <a:bodyPr/>
+                    <a:lstStyle/>
+                    <a:p>
+                      <a:pPr algn="l" fontAlgn="b"/>
+                      <a:r>
+                        <a:rPr lang="en-IN" sz="1400" u="none" strike="noStrike" dirty="0">
+                          <a:effectLst/>
+                        </a:rPr>
+                        <a:t> </a:t>
+                      </a:r>
+                      <a:endParaRPr lang="en-IN" sz="1400" b="0" i="0" u="none" strike="noStrike" dirty="0">
+                        <a:solidFill>
+                          <a:srgbClr val="000000"/>
+                        </a:solidFill>
+                        <a:effectLst/>
+                        <a:latin typeface="Calibri" panose="020F0502020204030204" pitchFamily="34" charset="0"/>
+                      </a:endParaRPr>
+                    </a:p>
+                  </a:txBody>
+                  <a:tcPr marL="6350" marR="6350" marT="6350" marB="0" anchor="b"/>
+                </a:tc>
+                <a:tc>
+                  <a:txBody>
+                    <a:bodyPr/>
+                    <a:lstStyle/>
+                    <a:p>
+                      <a:pPr algn="l" fontAlgn="b"/>
+                      <a:r>
+                        <a:rPr lang="en-IN" sz="1400" u="none" strike="noStrike" dirty="0">
+                          <a:effectLst/>
+                        </a:rPr>
+                        <a:t>Billing System, Batch processor</a:t>
+                      </a:r>
+                      <a:endParaRPr lang="en-IN" sz="1400" b="0" i="0" u="none" strike="noStrike" dirty="0">
+                        <a:solidFill>
+                          <a:srgbClr val="000000"/>
+                        </a:solidFill>
+                        <a:effectLst/>
+                        <a:latin typeface="Calibri" panose="020F0502020204030204" pitchFamily="34" charset="0"/>
+                      </a:endParaRPr>
+                    </a:p>
+                  </a:txBody>
+                  <a:tcPr marL="6350" marR="6350" marT="6350" marB="0" anchor="b"/>
+                </a:tc>
+                <a:extLst>
+                  <a:ext uri="{0D108BD9-81ED-4DB2-BD59-A6C34878D82A}">
+                    <a16:rowId xmlns:a16="http://schemas.microsoft.com/office/drawing/2014/main" val="2393238882"/>
+                  </a:ext>
+                </a:extLst>
+              </a:tr>
+            </a:tbl>
+          </a:graphicData>
+        </a:graphic>
+      </p:graphicFrame>
+    </p:spTree>
+    <p:extLst>
+      <p:ext uri="{BB962C8B-B14F-4D97-AF65-F5344CB8AC3E}">
+        <p14:creationId xmlns:p14="http://schemas.microsoft.com/office/powerpoint/2010/main" val="1219704559"/>
       </p:ext>
     </p:extLst>
   </p:cSld>
